--- a/_CM things/presFINAL.pptx
+++ b/_CM things/presFINAL.pptx
@@ -13,10 +13,10 @@
     <p:sldId id="270" r:id="rId7"/>
     <p:sldId id="271" r:id="rId8"/>
     <p:sldId id="274" r:id="rId9"/>
-    <p:sldId id="260" r:id="rId10"/>
-    <p:sldId id="269" r:id="rId11"/>
-    <p:sldId id="259" r:id="rId12"/>
-    <p:sldId id="264" r:id="rId13"/>
+    <p:sldId id="264" r:id="rId10"/>
+    <p:sldId id="260" r:id="rId11"/>
+    <p:sldId id="269" r:id="rId12"/>
+    <p:sldId id="259" r:id="rId13"/>
     <p:sldId id="275" r:id="rId14"/>
     <p:sldId id="272" r:id="rId15"/>
     <p:sldId id="262" r:id="rId16"/>
@@ -3593,13 +3593,13 @@
   <p:clrMapOvr>
     <a:masterClrMapping/>
   </p:clrMapOvr>
-  <mc:AlternateContent xmlns:mc="http://schemas.openxmlformats.org/markup-compatibility/2006">
-    <mc:Choice xmlns:p159="http://schemas.microsoft.com/office/powerpoint/2015/09/main" Requires="p159">
+  <mc:AlternateContent xmlns:mc="http://schemas.openxmlformats.org/markup-compatibility/2006" xmlns:p159="http://schemas.microsoft.com/office/powerpoint/2015/09/main">
+    <mc:Choice Requires="p159">
       <p:transition xmlns:p14="http://schemas.microsoft.com/office/powerpoint/2010/main" spd="slow" p14:dur="2000">
         <p159:morph option="byObject"/>
       </p:transition>
     </mc:Choice>
-    <mc:Fallback>
+    <mc:Fallback xmlns="">
       <p:transition spd="slow">
         <p:fade/>
       </p:transition>
@@ -3779,13 +3779,13 @@
   <p:clrMapOvr>
     <a:masterClrMapping/>
   </p:clrMapOvr>
-  <mc:AlternateContent xmlns:mc="http://schemas.openxmlformats.org/markup-compatibility/2006">
-    <mc:Choice xmlns:p159="http://schemas.microsoft.com/office/powerpoint/2015/09/main" Requires="p159">
+  <mc:AlternateContent xmlns:mc="http://schemas.openxmlformats.org/markup-compatibility/2006" xmlns:p159="http://schemas.microsoft.com/office/powerpoint/2015/09/main">
+    <mc:Choice Requires="p159">
       <p:transition xmlns:p14="http://schemas.microsoft.com/office/powerpoint/2010/main" spd="slow" p14:dur="2000">
         <p159:morph option="byObject"/>
       </p:transition>
     </mc:Choice>
-    <mc:Fallback>
+    <mc:Fallback xmlns="">
       <p:transition spd="slow">
         <p:fade/>
       </p:transition>
@@ -3975,13 +3975,13 @@
   <p:clrMapOvr>
     <a:masterClrMapping/>
   </p:clrMapOvr>
-  <mc:AlternateContent xmlns:mc="http://schemas.openxmlformats.org/markup-compatibility/2006">
-    <mc:Choice xmlns:p159="http://schemas.microsoft.com/office/powerpoint/2015/09/main" Requires="p159">
+  <mc:AlternateContent xmlns:mc="http://schemas.openxmlformats.org/markup-compatibility/2006" xmlns:p159="http://schemas.microsoft.com/office/powerpoint/2015/09/main">
+    <mc:Choice Requires="p159">
       <p:transition xmlns:p14="http://schemas.microsoft.com/office/powerpoint/2010/main" spd="slow" p14:dur="2000">
         <p159:morph option="byObject"/>
       </p:transition>
     </mc:Choice>
-    <mc:Fallback>
+    <mc:Fallback xmlns="">
       <p:transition spd="slow">
         <p:fade/>
       </p:transition>
@@ -4168,13 +4168,13 @@
   <p:clrMapOvr>
     <a:masterClrMapping/>
   </p:clrMapOvr>
-  <mc:AlternateContent xmlns:mc="http://schemas.openxmlformats.org/markup-compatibility/2006">
-    <mc:Choice xmlns:p159="http://schemas.microsoft.com/office/powerpoint/2015/09/main" Requires="p159">
+  <mc:AlternateContent xmlns:mc="http://schemas.openxmlformats.org/markup-compatibility/2006" xmlns:p159="http://schemas.microsoft.com/office/powerpoint/2015/09/main">
+    <mc:Choice Requires="p159">
       <p:transition xmlns:p14="http://schemas.microsoft.com/office/powerpoint/2010/main" spd="slow" p14:dur="2000">
         <p159:morph option="byObject"/>
       </p:transition>
     </mc:Choice>
-    <mc:Fallback>
+    <mc:Fallback xmlns="">
       <p:transition spd="slow">
         <p:fade/>
       </p:transition>
@@ -4453,13 +4453,13 @@
   <p:clrMapOvr>
     <a:masterClrMapping/>
   </p:clrMapOvr>
-  <mc:AlternateContent xmlns:mc="http://schemas.openxmlformats.org/markup-compatibility/2006">
-    <mc:Choice xmlns:p159="http://schemas.microsoft.com/office/powerpoint/2015/09/main" Requires="p159">
+  <mc:AlternateContent xmlns:mc="http://schemas.openxmlformats.org/markup-compatibility/2006" xmlns:p159="http://schemas.microsoft.com/office/powerpoint/2015/09/main">
+    <mc:Choice Requires="p159">
       <p:transition xmlns:p14="http://schemas.microsoft.com/office/powerpoint/2010/main" spd="slow" p14:dur="2000">
         <p159:morph option="byObject"/>
       </p:transition>
     </mc:Choice>
-    <mc:Fallback>
+    <mc:Fallback xmlns="">
       <p:transition spd="slow">
         <p:fade/>
       </p:transition>
@@ -4756,13 +4756,13 @@
   <p:clrMapOvr>
     <a:masterClrMapping/>
   </p:clrMapOvr>
-  <mc:AlternateContent xmlns:mc="http://schemas.openxmlformats.org/markup-compatibility/2006">
-    <mc:Choice xmlns:p159="http://schemas.microsoft.com/office/powerpoint/2015/09/main" Requires="p159">
+  <mc:AlternateContent xmlns:mc="http://schemas.openxmlformats.org/markup-compatibility/2006" xmlns:p159="http://schemas.microsoft.com/office/powerpoint/2015/09/main">
+    <mc:Choice Requires="p159">
       <p:transition xmlns:p14="http://schemas.microsoft.com/office/powerpoint/2010/main" spd="slow" p14:dur="2000">
         <p159:morph option="byObject"/>
       </p:transition>
     </mc:Choice>
-    <mc:Fallback>
+    <mc:Fallback xmlns="">
       <p:transition spd="slow">
         <p:fade/>
       </p:transition>
@@ -5211,13 +5211,13 @@
   <p:clrMapOvr>
     <a:masterClrMapping/>
   </p:clrMapOvr>
-  <mc:AlternateContent xmlns:mc="http://schemas.openxmlformats.org/markup-compatibility/2006">
-    <mc:Choice xmlns:p159="http://schemas.microsoft.com/office/powerpoint/2015/09/main" Requires="p159">
+  <mc:AlternateContent xmlns:mc="http://schemas.openxmlformats.org/markup-compatibility/2006" xmlns:p159="http://schemas.microsoft.com/office/powerpoint/2015/09/main">
+    <mc:Choice Requires="p159">
       <p:transition xmlns:p14="http://schemas.microsoft.com/office/powerpoint/2010/main" spd="slow" p14:dur="2000">
         <p159:morph option="byObject"/>
       </p:transition>
     </mc:Choice>
-    <mc:Fallback>
+    <mc:Fallback xmlns="">
       <p:transition spd="slow">
         <p:fade/>
       </p:transition>
@@ -5346,13 +5346,13 @@
   <p:clrMapOvr>
     <a:masterClrMapping/>
   </p:clrMapOvr>
-  <mc:AlternateContent xmlns:mc="http://schemas.openxmlformats.org/markup-compatibility/2006">
-    <mc:Choice xmlns:p159="http://schemas.microsoft.com/office/powerpoint/2015/09/main" Requires="p159">
+  <mc:AlternateContent xmlns:mc="http://schemas.openxmlformats.org/markup-compatibility/2006" xmlns:p159="http://schemas.microsoft.com/office/powerpoint/2015/09/main">
+    <mc:Choice Requires="p159">
       <p:transition xmlns:p14="http://schemas.microsoft.com/office/powerpoint/2010/main" spd="slow" p14:dur="2000">
         <p159:morph option="byObject"/>
       </p:transition>
     </mc:Choice>
-    <mc:Fallback>
+    <mc:Fallback xmlns="">
       <p:transition spd="slow">
         <p:fade/>
       </p:transition>
@@ -5465,13 +5465,13 @@
   <p:clrMapOvr>
     <a:masterClrMapping/>
   </p:clrMapOvr>
-  <mc:AlternateContent xmlns:mc="http://schemas.openxmlformats.org/markup-compatibility/2006">
-    <mc:Choice xmlns:p159="http://schemas.microsoft.com/office/powerpoint/2015/09/main" Requires="p159">
+  <mc:AlternateContent xmlns:mc="http://schemas.openxmlformats.org/markup-compatibility/2006" xmlns:p159="http://schemas.microsoft.com/office/powerpoint/2015/09/main">
+    <mc:Choice Requires="p159">
       <p:transition xmlns:p14="http://schemas.microsoft.com/office/powerpoint/2010/main" spd="slow" p14:dur="2000">
         <p159:morph option="byObject"/>
       </p:transition>
     </mc:Choice>
-    <mc:Fallback>
+    <mc:Fallback xmlns="">
       <p:transition spd="slow">
         <p:fade/>
       </p:transition>
@@ -5791,13 +5791,13 @@
   <p:clrMapOvr>
     <a:masterClrMapping/>
   </p:clrMapOvr>
-  <mc:AlternateContent xmlns:mc="http://schemas.openxmlformats.org/markup-compatibility/2006">
-    <mc:Choice xmlns:p159="http://schemas.microsoft.com/office/powerpoint/2015/09/main" Requires="p159">
+  <mc:AlternateContent xmlns:mc="http://schemas.openxmlformats.org/markup-compatibility/2006" xmlns:p159="http://schemas.microsoft.com/office/powerpoint/2015/09/main">
+    <mc:Choice Requires="p159">
       <p:transition xmlns:p14="http://schemas.microsoft.com/office/powerpoint/2010/main" spd="slow" p14:dur="2000">
         <p159:morph option="byObject"/>
       </p:transition>
     </mc:Choice>
-    <mc:Fallback>
+    <mc:Fallback xmlns="">
       <p:transition spd="slow">
         <p:fade/>
       </p:transition>
@@ -6108,13 +6108,13 @@
   <p:clrMapOvr>
     <a:masterClrMapping/>
   </p:clrMapOvr>
-  <mc:AlternateContent xmlns:mc="http://schemas.openxmlformats.org/markup-compatibility/2006">
-    <mc:Choice xmlns:p159="http://schemas.microsoft.com/office/powerpoint/2015/09/main" Requires="p159">
+  <mc:AlternateContent xmlns:mc="http://schemas.openxmlformats.org/markup-compatibility/2006" xmlns:p159="http://schemas.microsoft.com/office/powerpoint/2015/09/main">
+    <mc:Choice Requires="p159">
       <p:transition xmlns:p14="http://schemas.microsoft.com/office/powerpoint/2010/main" spd="slow" p14:dur="2000">
         <p159:morph option="byObject"/>
       </p:transition>
     </mc:Choice>
-    <mc:Fallback>
+    <mc:Fallback xmlns="">
       <p:transition spd="slow">
         <p:fade/>
       </p:transition>
@@ -6388,13 +6388,13 @@
     <p:sldLayoutId id="2147483856" r:id="rId10"/>
     <p:sldLayoutId id="2147483857" r:id="rId11"/>
   </p:sldLayoutIdLst>
-  <mc:AlternateContent xmlns:mc="http://schemas.openxmlformats.org/markup-compatibility/2006">
-    <mc:Choice xmlns:p159="http://schemas.microsoft.com/office/powerpoint/2015/09/main" Requires="p159">
+  <mc:AlternateContent xmlns:mc="http://schemas.openxmlformats.org/markup-compatibility/2006" xmlns:p159="http://schemas.microsoft.com/office/powerpoint/2015/09/main">
+    <mc:Choice Requires="p159">
       <p:transition xmlns:p14="http://schemas.microsoft.com/office/powerpoint/2010/main" spd="slow" p14:dur="2000">
         <p159:morph option="byObject"/>
       </p:transition>
     </mc:Choice>
-    <mc:Fallback>
+    <mc:Fallback xmlns="">
       <p:transition spd="slow">
         <p:fade/>
       </p:transition>
@@ -7000,13 +7000,13 @@
   <p:clrMapOvr>
     <a:masterClrMapping/>
   </p:clrMapOvr>
-  <mc:AlternateContent xmlns:mc="http://schemas.openxmlformats.org/markup-compatibility/2006">
-    <mc:Choice xmlns:p159="http://schemas.microsoft.com/office/powerpoint/2015/09/main" Requires="p159">
+  <mc:AlternateContent xmlns:mc="http://schemas.openxmlformats.org/markup-compatibility/2006" xmlns:p159="http://schemas.microsoft.com/office/powerpoint/2015/09/main">
+    <mc:Choice Requires="p159">
       <p:transition xmlns:p14="http://schemas.microsoft.com/office/powerpoint/2010/main" spd="slow" p14:dur="2000">
         <p159:morph option="byObject"/>
       </p:transition>
     </mc:Choice>
-    <mc:Fallback>
+    <mc:Fallback xmlns="">
       <p:transition spd="slow">
         <p:fade/>
       </p:transition>
@@ -7016,6 +7016,652 @@
 </file>
 
 <file path=ppt/slides/slide10.xml><?xml version="1.0" encoding="utf-8"?>
+<p:sld xmlns:a="http://schemas.openxmlformats.org/drawingml/2006/main" xmlns:r="http://schemas.openxmlformats.org/officeDocument/2006/relationships" xmlns:p="http://schemas.openxmlformats.org/presentationml/2006/main">
+  <p:cSld>
+    <p:spTree>
+      <p:nvGrpSpPr>
+        <p:cNvPr id="1" name=""/>
+        <p:cNvGrpSpPr/>
+        <p:nvPr/>
+      </p:nvGrpSpPr>
+      <p:grpSpPr>
+        <a:xfrm>
+          <a:off x="0" y="0"/>
+          <a:ext cx="0" cy="0"/>
+          <a:chOff x="0" y="0"/>
+          <a:chExt cx="0" cy="0"/>
+        </a:xfrm>
+      </p:grpSpPr>
+      <p:sp>
+        <p:nvSpPr>
+          <p:cNvPr id="3" name="Segnaposto contenuto 2">
+            <a:extLst>
+              <a:ext uri="{FF2B5EF4-FFF2-40B4-BE49-F238E27FC236}">
+                <a16:creationId xmlns:a16="http://schemas.microsoft.com/office/drawing/2014/main" id="{019652F2-13CA-49C3-98D3-CAA7F0AAA6FC}"/>
+              </a:ext>
+            </a:extLst>
+          </p:cNvPr>
+          <p:cNvSpPr>
+            <a:spLocks noGrp="1"/>
+          </p:cNvSpPr>
+          <p:nvPr>
+            <p:ph idx="1"/>
+          </p:nvPr>
+        </p:nvSpPr>
+        <p:spPr>
+          <a:xfrm>
+            <a:off x="838200" y="1317073"/>
+            <a:ext cx="10847664" cy="4077048"/>
+          </a:xfrm>
+        </p:spPr>
+        <p:txBody>
+          <a:bodyPr/>
+          <a:lstStyle/>
+          <a:p>
+            <a:pPr marL="514350" indent="-514350">
+              <a:buFont typeface="+mj-lt"/>
+              <a:buAutoNum type="romanUcPeriod"/>
+            </a:pPr>
+            <a:r>
+              <a:rPr lang="it-IT" dirty="0">
+                <a:latin typeface="Arial" panose="020B0604020202020204" pitchFamily="34" charset="0"/>
+                <a:cs typeface="Arial" panose="020B0604020202020204" pitchFamily="34" charset="0"/>
+              </a:rPr>
+              <a:t>BLE connection routine;</a:t>
+            </a:r>
+          </a:p>
+          <a:p>
+            <a:pPr marL="514350" indent="-514350">
+              <a:buFont typeface="+mj-lt"/>
+              <a:buAutoNum type="romanUcPeriod"/>
+            </a:pPr>
+            <a:r>
+              <a:rPr lang="it-IT" dirty="0">
+                <a:latin typeface="Arial" panose="020B0604020202020204" pitchFamily="34" charset="0"/>
+                <a:cs typeface="Arial" panose="020B0604020202020204" pitchFamily="34" charset="0"/>
+              </a:rPr>
+              <a:t>PROCEDURE II: </a:t>
+            </a:r>
+            <a:r>
+              <a:rPr lang="it-IT" dirty="0" err="1">
+                <a:latin typeface="Arial" panose="020B0604020202020204" pitchFamily="34" charset="0"/>
+                <a:cs typeface="Arial" panose="020B0604020202020204" pitchFamily="34" charset="0"/>
+              </a:rPr>
+              <a:t>chord</a:t>
+            </a:r>
+            <a:r>
+              <a:rPr lang="it-IT" dirty="0">
+                <a:latin typeface="Arial" panose="020B0604020202020204" pitchFamily="34" charset="0"/>
+                <a:cs typeface="Arial" panose="020B0604020202020204" pitchFamily="34" charset="0"/>
+              </a:rPr>
+              <a:t> </a:t>
+            </a:r>
+            <a:r>
+              <a:rPr lang="it-IT" dirty="0" err="1">
+                <a:latin typeface="Arial" panose="020B0604020202020204" pitchFamily="34" charset="0"/>
+                <a:cs typeface="Arial" panose="020B0604020202020204" pitchFamily="34" charset="0"/>
+              </a:rPr>
+              <a:t>acquirement</a:t>
+            </a:r>
+            <a:r>
+              <a:rPr lang="it-IT" dirty="0">
+                <a:latin typeface="Arial" panose="020B0604020202020204" pitchFamily="34" charset="0"/>
+                <a:cs typeface="Arial" panose="020B0604020202020204" pitchFamily="34" charset="0"/>
+              </a:rPr>
+              <a:t> and </a:t>
+            </a:r>
+            <a:r>
+              <a:rPr lang="it-IT" dirty="0" err="1">
+                <a:latin typeface="Arial" panose="020B0604020202020204" pitchFamily="34" charset="0"/>
+                <a:cs typeface="Arial" panose="020B0604020202020204" pitchFamily="34" charset="0"/>
+              </a:rPr>
+              <a:t>elaboration</a:t>
+            </a:r>
+            <a:r>
+              <a:rPr lang="it-IT" dirty="0">
+                <a:latin typeface="Arial" panose="020B0604020202020204" pitchFamily="34" charset="0"/>
+                <a:cs typeface="Arial" panose="020B0604020202020204" pitchFamily="34" charset="0"/>
+              </a:rPr>
+              <a:t>;</a:t>
+            </a:r>
+          </a:p>
+          <a:p>
+            <a:pPr marL="514350" indent="-514350">
+              <a:buFont typeface="+mj-lt"/>
+              <a:buAutoNum type="romanUcPeriod"/>
+            </a:pPr>
+            <a:r>
+              <a:rPr lang="it-IT" dirty="0" err="1">
+                <a:latin typeface="Arial" panose="020B0604020202020204" pitchFamily="34" charset="0"/>
+                <a:cs typeface="Arial" panose="020B0604020202020204" pitchFamily="34" charset="0"/>
+              </a:rPr>
+              <a:t>Returned</a:t>
+            </a:r>
+            <a:r>
+              <a:rPr lang="it-IT" dirty="0">
+                <a:latin typeface="Arial" panose="020B0604020202020204" pitchFamily="34" charset="0"/>
+                <a:cs typeface="Arial" panose="020B0604020202020204" pitchFamily="34" charset="0"/>
+              </a:rPr>
+              <a:t> </a:t>
+            </a:r>
+            <a:r>
+              <a:rPr lang="it-IT" dirty="0" err="1">
+                <a:latin typeface="Arial" panose="020B0604020202020204" pitchFamily="34" charset="0"/>
+                <a:cs typeface="Arial" panose="020B0604020202020204" pitchFamily="34" charset="0"/>
+              </a:rPr>
+              <a:t>scales</a:t>
+            </a:r>
+            <a:r>
+              <a:rPr lang="it-IT" dirty="0">
+                <a:latin typeface="Arial" panose="020B0604020202020204" pitchFamily="34" charset="0"/>
+                <a:cs typeface="Arial" panose="020B0604020202020204" pitchFamily="34" charset="0"/>
+              </a:rPr>
+              <a:t> are </a:t>
+            </a:r>
+            <a:r>
+              <a:rPr lang="it-IT" dirty="0" err="1">
+                <a:latin typeface="Arial" panose="020B0604020202020204" pitchFamily="34" charset="0"/>
+                <a:cs typeface="Arial" panose="020B0604020202020204" pitchFamily="34" charset="0"/>
+              </a:rPr>
+              <a:t>associated</a:t>
+            </a:r>
+            <a:r>
+              <a:rPr lang="it-IT" dirty="0">
+                <a:latin typeface="Arial" panose="020B0604020202020204" pitchFamily="34" charset="0"/>
+                <a:cs typeface="Arial" panose="020B0604020202020204" pitchFamily="34" charset="0"/>
+              </a:rPr>
+              <a:t> to </a:t>
+            </a:r>
+            <a:r>
+              <a:rPr lang="it-IT" dirty="0" err="1">
+                <a:latin typeface="Arial" panose="020B0604020202020204" pitchFamily="34" charset="0"/>
+                <a:cs typeface="Arial" panose="020B0604020202020204" pitchFamily="34" charset="0"/>
+              </a:rPr>
+              <a:t>Micro:bit’s</a:t>
+            </a:r>
+            <a:r>
+              <a:rPr lang="it-IT" dirty="0">
+                <a:latin typeface="Arial" panose="020B0604020202020204" pitchFamily="34" charset="0"/>
+                <a:cs typeface="Arial" panose="020B0604020202020204" pitchFamily="34" charset="0"/>
+              </a:rPr>
+              <a:t> </a:t>
+            </a:r>
+            <a:r>
+              <a:rPr lang="it-IT" dirty="0" err="1">
+                <a:latin typeface="Arial" panose="020B0604020202020204" pitchFamily="34" charset="0"/>
+                <a:cs typeface="Arial" panose="020B0604020202020204" pitchFamily="34" charset="0"/>
+              </a:rPr>
+              <a:t>accelerometer</a:t>
+            </a:r>
+            <a:r>
+              <a:rPr lang="it-IT" dirty="0">
+                <a:latin typeface="Arial" panose="020B0604020202020204" pitchFamily="34" charset="0"/>
+                <a:cs typeface="Arial" panose="020B0604020202020204" pitchFamily="34" charset="0"/>
+              </a:rPr>
+              <a:t> </a:t>
+            </a:r>
+            <a:r>
+              <a:rPr lang="it-IT" dirty="0" err="1">
+                <a:latin typeface="Arial" panose="020B0604020202020204" pitchFamily="34" charset="0"/>
+                <a:cs typeface="Arial" panose="020B0604020202020204" pitchFamily="34" charset="0"/>
+              </a:rPr>
+              <a:t>values</a:t>
+            </a:r>
+            <a:r>
+              <a:rPr lang="it-IT" dirty="0">
+                <a:latin typeface="Arial" panose="020B0604020202020204" pitchFamily="34" charset="0"/>
+                <a:cs typeface="Arial" panose="020B0604020202020204" pitchFamily="34" charset="0"/>
+              </a:rPr>
+              <a:t>;</a:t>
+            </a:r>
+          </a:p>
+          <a:p>
+            <a:pPr marL="514350" indent="-514350">
+              <a:buFont typeface="+mj-lt"/>
+              <a:buAutoNum type="romanUcPeriod"/>
+            </a:pPr>
+            <a:r>
+              <a:rPr lang="it-IT" dirty="0" err="1">
+                <a:latin typeface="Arial" panose="020B0604020202020204" pitchFamily="34" charset="0"/>
+                <a:cs typeface="Arial" panose="020B0604020202020204" pitchFamily="34" charset="0"/>
+              </a:rPr>
+              <a:t>Accelerometer</a:t>
+            </a:r>
+            <a:r>
+              <a:rPr lang="it-IT" dirty="0">
+                <a:latin typeface="Arial" panose="020B0604020202020204" pitchFamily="34" charset="0"/>
+                <a:cs typeface="Arial" panose="020B0604020202020204" pitchFamily="34" charset="0"/>
+              </a:rPr>
+              <a:t> </a:t>
+            </a:r>
+            <a:r>
+              <a:rPr lang="it-IT" dirty="0" err="1">
+                <a:latin typeface="Arial" panose="020B0604020202020204" pitchFamily="34" charset="0"/>
+                <a:cs typeface="Arial" panose="020B0604020202020204" pitchFamily="34" charset="0"/>
+              </a:rPr>
+              <a:t>values</a:t>
+            </a:r>
+            <a:r>
+              <a:rPr lang="it-IT" dirty="0">
+                <a:latin typeface="Arial" panose="020B0604020202020204" pitchFamily="34" charset="0"/>
+                <a:cs typeface="Arial" panose="020B0604020202020204" pitchFamily="34" charset="0"/>
+              </a:rPr>
+              <a:t> </a:t>
+            </a:r>
+            <a:r>
+              <a:rPr lang="it-IT" dirty="0" err="1">
+                <a:latin typeface="Arial" panose="020B0604020202020204" pitchFamily="34" charset="0"/>
+                <a:cs typeface="Arial" panose="020B0604020202020204" pitchFamily="34" charset="0"/>
+              </a:rPr>
+              <a:t>that</a:t>
+            </a:r>
+            <a:r>
+              <a:rPr lang="it-IT" dirty="0">
+                <a:latin typeface="Arial" panose="020B0604020202020204" pitchFamily="34" charset="0"/>
+                <a:cs typeface="Arial" panose="020B0604020202020204" pitchFamily="34" charset="0"/>
+              </a:rPr>
+              <a:t> are </a:t>
+            </a:r>
+            <a:r>
+              <a:rPr lang="it-IT" dirty="0" err="1">
+                <a:latin typeface="Arial" panose="020B0604020202020204" pitchFamily="34" charset="0"/>
+                <a:cs typeface="Arial" panose="020B0604020202020204" pitchFamily="34" charset="0"/>
+              </a:rPr>
+              <a:t>mapped</a:t>
+            </a:r>
+            <a:r>
+              <a:rPr lang="it-IT" dirty="0">
+                <a:latin typeface="Arial" panose="020B0604020202020204" pitchFamily="34" charset="0"/>
+                <a:cs typeface="Arial" panose="020B0604020202020204" pitchFamily="34" charset="0"/>
+              </a:rPr>
+              <a:t> on 3 </a:t>
+            </a:r>
+            <a:r>
+              <a:rPr lang="it-IT" dirty="0" err="1">
+                <a:latin typeface="Arial" panose="020B0604020202020204" pitchFamily="34" charset="0"/>
+                <a:cs typeface="Arial" panose="020B0604020202020204" pitchFamily="34" charset="0"/>
+              </a:rPr>
+              <a:t>axis</a:t>
+            </a:r>
+            <a:r>
+              <a:rPr lang="it-IT" dirty="0">
+                <a:latin typeface="Arial" panose="020B0604020202020204" pitchFamily="34" charset="0"/>
+                <a:cs typeface="Arial" panose="020B0604020202020204" pitchFamily="34" charset="0"/>
+              </a:rPr>
+              <a:t>: z&gt;0 </a:t>
+            </a:r>
+            <a:r>
+              <a:rPr lang="it-IT" dirty="0" err="1">
+                <a:latin typeface="Arial" panose="020B0604020202020204" pitchFamily="34" charset="0"/>
+                <a:cs typeface="Arial" panose="020B0604020202020204" pitchFamily="34" charset="0"/>
+              </a:rPr>
+              <a:t>is</a:t>
+            </a:r>
+            <a:r>
+              <a:rPr lang="it-IT" dirty="0">
+                <a:latin typeface="Arial" panose="020B0604020202020204" pitchFamily="34" charset="0"/>
+                <a:cs typeface="Arial" panose="020B0604020202020204" pitchFamily="34" charset="0"/>
+              </a:rPr>
+              <a:t> </a:t>
+            </a:r>
+            <a:r>
+              <a:rPr lang="it-IT" dirty="0" err="1">
+                <a:latin typeface="Arial" panose="020B0604020202020204" pitchFamily="34" charset="0"/>
+                <a:cs typeface="Arial" panose="020B0604020202020204" pitchFamily="34" charset="0"/>
+              </a:rPr>
+              <a:t>necessary</a:t>
+            </a:r>
+            <a:r>
+              <a:rPr lang="it-IT" dirty="0">
+                <a:latin typeface="Arial" panose="020B0604020202020204" pitchFamily="34" charset="0"/>
+                <a:cs typeface="Arial" panose="020B0604020202020204" pitchFamily="34" charset="0"/>
+              </a:rPr>
+              <a:t> for the synth to be </a:t>
+            </a:r>
+            <a:r>
+              <a:rPr lang="it-IT" dirty="0" err="1">
+                <a:latin typeface="Arial" panose="020B0604020202020204" pitchFamily="34" charset="0"/>
+                <a:cs typeface="Arial" panose="020B0604020202020204" pitchFamily="34" charset="0"/>
+              </a:rPr>
+              <a:t>triggered</a:t>
+            </a:r>
+            <a:r>
+              <a:rPr lang="it-IT" dirty="0">
+                <a:latin typeface="Arial" panose="020B0604020202020204" pitchFamily="34" charset="0"/>
+                <a:cs typeface="Arial" panose="020B0604020202020204" pitchFamily="34" charset="0"/>
+              </a:rPr>
+              <a:t>, </a:t>
+            </a:r>
+            <a:r>
+              <a:rPr lang="it-IT" dirty="0" err="1">
+                <a:latin typeface="Arial" panose="020B0604020202020204" pitchFamily="34" charset="0"/>
+                <a:cs typeface="Arial" panose="020B0604020202020204" pitchFamily="34" charset="0"/>
+              </a:rPr>
+              <a:t>tilting</a:t>
+            </a:r>
+            <a:r>
+              <a:rPr lang="it-IT" dirty="0">
+                <a:latin typeface="Arial" panose="020B0604020202020204" pitchFamily="34" charset="0"/>
+                <a:cs typeface="Arial" panose="020B0604020202020204" pitchFamily="34" charset="0"/>
+              </a:rPr>
+              <a:t> </a:t>
+            </a:r>
+            <a:r>
+              <a:rPr lang="it-IT" dirty="0" err="1">
+                <a:latin typeface="Arial" panose="020B0604020202020204" pitchFamily="34" charset="0"/>
+                <a:cs typeface="Arial" panose="020B0604020202020204" pitchFamily="34" charset="0"/>
+              </a:rPr>
+              <a:t>is</a:t>
+            </a:r>
+            <a:r>
+              <a:rPr lang="it-IT" dirty="0">
+                <a:latin typeface="Arial" panose="020B0604020202020204" pitchFamily="34" charset="0"/>
+                <a:cs typeface="Arial" panose="020B0604020202020204" pitchFamily="34" charset="0"/>
+              </a:rPr>
+              <a:t> </a:t>
+            </a:r>
+            <a:r>
+              <a:rPr lang="it-IT" dirty="0" err="1">
+                <a:latin typeface="Arial" panose="020B0604020202020204" pitchFamily="34" charset="0"/>
+                <a:cs typeface="Arial" panose="020B0604020202020204" pitchFamily="34" charset="0"/>
+              </a:rPr>
+              <a:t>associated</a:t>
+            </a:r>
+            <a:r>
+              <a:rPr lang="it-IT" dirty="0">
+                <a:latin typeface="Arial" panose="020B0604020202020204" pitchFamily="34" charset="0"/>
+                <a:cs typeface="Arial" panose="020B0604020202020204" pitchFamily="34" charset="0"/>
+              </a:rPr>
+              <a:t> to notes, pitching </a:t>
+            </a:r>
+            <a:r>
+              <a:rPr lang="it-IT" dirty="0" err="1">
+                <a:latin typeface="Arial" panose="020B0604020202020204" pitchFamily="34" charset="0"/>
+                <a:cs typeface="Arial" panose="020B0604020202020204" pitchFamily="34" charset="0"/>
+              </a:rPr>
+              <a:t>is</a:t>
+            </a:r>
+            <a:r>
+              <a:rPr lang="it-IT" dirty="0">
+                <a:latin typeface="Arial" panose="020B0604020202020204" pitchFamily="34" charset="0"/>
+                <a:cs typeface="Arial" panose="020B0604020202020204" pitchFamily="34" charset="0"/>
+              </a:rPr>
+              <a:t> </a:t>
+            </a:r>
+            <a:r>
+              <a:rPr lang="it-IT" dirty="0" err="1">
+                <a:latin typeface="Arial" panose="020B0604020202020204" pitchFamily="34" charset="0"/>
+                <a:cs typeface="Arial" panose="020B0604020202020204" pitchFamily="34" charset="0"/>
+              </a:rPr>
+              <a:t>associated</a:t>
+            </a:r>
+            <a:r>
+              <a:rPr lang="it-IT" dirty="0">
+                <a:latin typeface="Arial" panose="020B0604020202020204" pitchFamily="34" charset="0"/>
+                <a:cs typeface="Arial" panose="020B0604020202020204" pitchFamily="34" charset="0"/>
+              </a:rPr>
+              <a:t> to scale </a:t>
+            </a:r>
+            <a:r>
+              <a:rPr lang="it-IT" dirty="0" err="1">
+                <a:latin typeface="Arial" panose="020B0604020202020204" pitchFamily="34" charset="0"/>
+                <a:cs typeface="Arial" panose="020B0604020202020204" pitchFamily="34" charset="0"/>
+              </a:rPr>
+              <a:t>changes</a:t>
+            </a:r>
+            <a:r>
+              <a:rPr lang="it-IT" dirty="0">
+                <a:latin typeface="Arial" panose="020B0604020202020204" pitchFamily="34" charset="0"/>
+                <a:cs typeface="Arial" panose="020B0604020202020204" pitchFamily="34" charset="0"/>
+              </a:rPr>
+              <a:t>;</a:t>
+            </a:r>
+          </a:p>
+          <a:p>
+            <a:pPr marL="514350" indent="-514350">
+              <a:buFont typeface="+mj-lt"/>
+              <a:buAutoNum type="romanUcPeriod"/>
+            </a:pPr>
+            <a:r>
+              <a:rPr lang="it-IT" dirty="0" err="1">
+                <a:latin typeface="Arial" panose="020B0604020202020204" pitchFamily="34" charset="0"/>
+                <a:cs typeface="Arial" panose="020B0604020202020204" pitchFamily="34" charset="0"/>
+              </a:rPr>
+              <a:t>Mapped</a:t>
+            </a:r>
+            <a:r>
+              <a:rPr lang="it-IT" dirty="0">
+                <a:latin typeface="Arial" panose="020B0604020202020204" pitchFamily="34" charset="0"/>
+                <a:cs typeface="Arial" panose="020B0604020202020204" pitchFamily="34" charset="0"/>
+              </a:rPr>
+              <a:t> </a:t>
+            </a:r>
+            <a:r>
+              <a:rPr lang="it-IT" dirty="0" err="1">
+                <a:latin typeface="Arial" panose="020B0604020202020204" pitchFamily="34" charset="0"/>
+                <a:cs typeface="Arial" panose="020B0604020202020204" pitchFamily="34" charset="0"/>
+              </a:rPr>
+              <a:t>accelerometer</a:t>
+            </a:r>
+            <a:r>
+              <a:rPr lang="it-IT" dirty="0">
+                <a:latin typeface="Arial" panose="020B0604020202020204" pitchFamily="34" charset="0"/>
+                <a:cs typeface="Arial" panose="020B0604020202020204" pitchFamily="34" charset="0"/>
+              </a:rPr>
+              <a:t> </a:t>
+            </a:r>
+            <a:r>
+              <a:rPr lang="it-IT" dirty="0" err="1">
+                <a:latin typeface="Arial" panose="020B0604020202020204" pitchFamily="34" charset="0"/>
+                <a:cs typeface="Arial" panose="020B0604020202020204" pitchFamily="34" charset="0"/>
+              </a:rPr>
+              <a:t>values</a:t>
+            </a:r>
+            <a:r>
+              <a:rPr lang="it-IT" dirty="0">
+                <a:latin typeface="Arial" panose="020B0604020202020204" pitchFamily="34" charset="0"/>
+                <a:cs typeface="Arial" panose="020B0604020202020204" pitchFamily="34" charset="0"/>
+              </a:rPr>
+              <a:t> trigger WAPI </a:t>
+            </a:r>
+            <a:r>
+              <a:rPr lang="it-IT" dirty="0" err="1">
+                <a:latin typeface="Arial" panose="020B0604020202020204" pitchFamily="34" charset="0"/>
+                <a:cs typeface="Arial" panose="020B0604020202020204" pitchFamily="34" charset="0"/>
+              </a:rPr>
+              <a:t>synthetiser</a:t>
+            </a:r>
+            <a:r>
+              <a:rPr lang="it-IT" dirty="0">
+                <a:latin typeface="Arial" panose="020B0604020202020204" pitchFamily="34" charset="0"/>
+                <a:cs typeface="Arial" panose="020B0604020202020204" pitchFamily="34" charset="0"/>
+              </a:rPr>
+              <a:t>;</a:t>
+            </a:r>
+          </a:p>
+          <a:p>
+            <a:pPr marL="514350" indent="-514350">
+              <a:buFont typeface="+mj-lt"/>
+              <a:buAutoNum type="romanUcPeriod"/>
+            </a:pPr>
+            <a:r>
+              <a:rPr lang="it-IT" dirty="0">
+                <a:latin typeface="Arial" panose="020B0604020202020204" pitchFamily="34" charset="0"/>
+                <a:cs typeface="Arial" panose="020B0604020202020204" pitchFamily="34" charset="0"/>
+              </a:rPr>
+              <a:t>Interface </a:t>
+            </a:r>
+            <a:r>
+              <a:rPr lang="it-IT" dirty="0" err="1">
+                <a:latin typeface="Arial" panose="020B0604020202020204" pitchFamily="34" charset="0"/>
+                <a:cs typeface="Arial" panose="020B0604020202020204" pitchFamily="34" charset="0"/>
+              </a:rPr>
+              <a:t>reacts</a:t>
+            </a:r>
+            <a:r>
+              <a:rPr lang="it-IT" dirty="0">
+                <a:latin typeface="Arial" panose="020B0604020202020204" pitchFamily="34" charset="0"/>
+                <a:cs typeface="Arial" panose="020B0604020202020204" pitchFamily="34" charset="0"/>
+              </a:rPr>
+              <a:t> on synth and </a:t>
+            </a:r>
+            <a:r>
+              <a:rPr lang="it-IT" dirty="0" err="1">
+                <a:latin typeface="Arial" panose="020B0604020202020204" pitchFamily="34" charset="0"/>
+                <a:cs typeface="Arial" panose="020B0604020202020204" pitchFamily="34" charset="0"/>
+              </a:rPr>
+              <a:t>scales</a:t>
+            </a:r>
+            <a:r>
+              <a:rPr lang="it-IT" dirty="0">
+                <a:latin typeface="Arial" panose="020B0604020202020204" pitchFamily="34" charset="0"/>
+                <a:cs typeface="Arial" panose="020B0604020202020204" pitchFamily="34" charset="0"/>
+              </a:rPr>
+              <a:t> </a:t>
+            </a:r>
+            <a:r>
+              <a:rPr lang="it-IT" dirty="0" err="1">
+                <a:latin typeface="Arial" panose="020B0604020202020204" pitchFamily="34" charset="0"/>
+                <a:cs typeface="Arial" panose="020B0604020202020204" pitchFamily="34" charset="0"/>
+              </a:rPr>
+              <a:t>behaviour</a:t>
+            </a:r>
+            <a:r>
+              <a:rPr lang="it-IT" dirty="0">
+                <a:latin typeface="Arial" panose="020B0604020202020204" pitchFamily="34" charset="0"/>
+                <a:cs typeface="Arial" panose="020B0604020202020204" pitchFamily="34" charset="0"/>
+              </a:rPr>
+              <a:t>.</a:t>
+            </a:r>
+          </a:p>
+        </p:txBody>
+      </p:sp>
+      <p:sp>
+        <p:nvSpPr>
+          <p:cNvPr id="4" name="Titolo 1">
+            <a:extLst>
+              <a:ext uri="{FF2B5EF4-FFF2-40B4-BE49-F238E27FC236}">
+                <a16:creationId xmlns:a16="http://schemas.microsoft.com/office/drawing/2014/main" id="{2096BBDE-8F17-45CB-8384-2D3C77DF7A77}"/>
+              </a:ext>
+            </a:extLst>
+          </p:cNvPr>
+          <p:cNvSpPr txBox="1">
+            <a:spLocks/>
+          </p:cNvSpPr>
+          <p:nvPr/>
+        </p:nvSpPr>
+        <p:spPr>
+          <a:xfrm>
+            <a:off x="838200" y="0"/>
+            <a:ext cx="11250336" cy="956200"/>
+          </a:xfrm>
+          <a:prstGeom prst="rect">
+            <a:avLst/>
+          </a:prstGeom>
+        </p:spPr>
+        <p:txBody>
+          <a:bodyPr vert="horz" lIns="91440" tIns="45720" rIns="91440" bIns="45720" rtlCol="0" anchor="b">
+            <a:noAutofit/>
+          </a:bodyPr>
+          <a:lstStyle>
+            <a:lvl1pPr algn="l" defTabSz="914400" rtl="0" eaLnBrk="1" latinLnBrk="0" hangingPunct="1">
+              <a:lnSpc>
+                <a:spcPct val="90000"/>
+              </a:lnSpc>
+              <a:spcBef>
+                <a:spcPct val="0"/>
+              </a:spcBef>
+              <a:buNone/>
+              <a:defRPr sz="3600" kern="1200" spc="100" baseline="0">
+                <a:solidFill>
+                  <a:schemeClr val="tx1"/>
+                </a:solidFill>
+                <a:latin typeface="+mj-lt"/>
+                <a:ea typeface="+mj-ea"/>
+                <a:cs typeface="+mj-cs"/>
+              </a:defRPr>
+            </a:lvl1pPr>
+          </a:lstStyle>
+          <a:p>
+            <a:r>
+              <a:rPr lang="it-IT" sz="5400" dirty="0">
+                <a:latin typeface="Arial" panose="020B0604020202020204" pitchFamily="34" charset="0"/>
+                <a:cs typeface="Arial" panose="020B0604020202020204" pitchFamily="34" charset="0"/>
+              </a:rPr>
+              <a:t>CODE DIVISION</a:t>
+            </a:r>
+          </a:p>
+        </p:txBody>
+      </p:sp>
+      <p:cxnSp>
+        <p:nvCxnSpPr>
+          <p:cNvPr id="5" name="Connettore diritto 4">
+            <a:extLst>
+              <a:ext uri="{FF2B5EF4-FFF2-40B4-BE49-F238E27FC236}">
+                <a16:creationId xmlns:a16="http://schemas.microsoft.com/office/drawing/2014/main" id="{D34F939F-4719-4A17-9950-6EF85339F417}"/>
+              </a:ext>
+            </a:extLst>
+          </p:cNvPr>
+          <p:cNvCxnSpPr/>
+          <p:nvPr/>
+        </p:nvCxnSpPr>
+        <p:spPr>
+          <a:xfrm>
+            <a:off x="0" y="956200"/>
+            <a:ext cx="12192000" cy="0"/>
+          </a:xfrm>
+          <a:prstGeom prst="line">
+            <a:avLst/>
+          </a:prstGeom>
+          <a:ln w="38100">
+            <a:solidFill>
+              <a:schemeClr val="accent1">
+                <a:lumMod val="50000"/>
+              </a:schemeClr>
+            </a:solidFill>
+          </a:ln>
+        </p:spPr>
+        <p:style>
+          <a:lnRef idx="1">
+            <a:schemeClr val="accent1"/>
+          </a:lnRef>
+          <a:fillRef idx="0">
+            <a:schemeClr val="accent1"/>
+          </a:fillRef>
+          <a:effectRef idx="0">
+            <a:schemeClr val="accent1"/>
+          </a:effectRef>
+          <a:fontRef idx="minor">
+            <a:schemeClr val="tx1"/>
+          </a:fontRef>
+        </p:style>
+      </p:cxnSp>
+    </p:spTree>
+    <p:extLst>
+      <p:ext uri="{BB962C8B-B14F-4D97-AF65-F5344CB8AC3E}">
+        <p14:creationId xmlns:p14="http://schemas.microsoft.com/office/powerpoint/2010/main" val="4144326192"/>
+      </p:ext>
+    </p:extLst>
+  </p:cSld>
+  <p:clrMapOvr>
+    <a:masterClrMapping/>
+  </p:clrMapOvr>
+  <mc:AlternateContent xmlns:mc="http://schemas.openxmlformats.org/markup-compatibility/2006" xmlns:p159="http://schemas.microsoft.com/office/powerpoint/2015/09/main">
+    <mc:Choice Requires="p159">
+      <p:transition xmlns:p14="http://schemas.microsoft.com/office/powerpoint/2010/main" spd="slow" p14:dur="2000">
+        <p159:morph option="byObject"/>
+      </p:transition>
+    </mc:Choice>
+    <mc:Fallback xmlns="">
+      <p:transition spd="slow">
+        <p:fade/>
+      </p:transition>
+    </mc:Fallback>
+  </mc:AlternateContent>
+</p:sld>
+</file>
+
+<file path=ppt/slides/slide11.xml><?xml version="1.0" encoding="utf-8"?>
 <p:sld xmlns:a="http://schemas.openxmlformats.org/drawingml/2006/main" xmlns:r="http://schemas.openxmlformats.org/officeDocument/2006/relationships" xmlns:p="http://schemas.openxmlformats.org/presentationml/2006/main">
   <p:cSld>
     <p:spTree>
@@ -7473,13 +8119,13 @@
   <p:clrMapOvr>
     <a:masterClrMapping/>
   </p:clrMapOvr>
-  <mc:AlternateContent xmlns:mc="http://schemas.openxmlformats.org/markup-compatibility/2006">
-    <mc:Choice xmlns:p159="http://schemas.microsoft.com/office/powerpoint/2015/09/main" Requires="p159">
+  <mc:AlternateContent xmlns:mc="http://schemas.openxmlformats.org/markup-compatibility/2006" xmlns:p159="http://schemas.microsoft.com/office/powerpoint/2015/09/main">
+    <mc:Choice Requires="p159">
       <p:transition xmlns:p14="http://schemas.microsoft.com/office/powerpoint/2010/main" spd="slow" p14:dur="2000">
         <p159:morph option="byObject"/>
       </p:transition>
     </mc:Choice>
-    <mc:Fallback>
+    <mc:Fallback xmlns="">
       <p:transition spd="slow">
         <p:fade/>
       </p:transition>
@@ -7488,7 +8134,7 @@
 </p:sld>
 </file>
 
-<file path=ppt/slides/slide11.xml><?xml version="1.0" encoding="utf-8"?>
+<file path=ppt/slides/slide12.xml><?xml version="1.0" encoding="utf-8"?>
 <p:sld xmlns:a="http://schemas.openxmlformats.org/drawingml/2006/main" xmlns:r="http://schemas.openxmlformats.org/officeDocument/2006/relationships" xmlns:p="http://schemas.openxmlformats.org/presentationml/2006/main">
   <p:cSld>
     <p:spTree>
@@ -8110,327 +8756,13 @@
   <p:clrMapOvr>
     <a:masterClrMapping/>
   </p:clrMapOvr>
-  <mc:AlternateContent xmlns:mc="http://schemas.openxmlformats.org/markup-compatibility/2006">
-    <mc:Choice xmlns:p159="http://schemas.microsoft.com/office/powerpoint/2015/09/main" Requires="p159">
+  <mc:AlternateContent xmlns:mc="http://schemas.openxmlformats.org/markup-compatibility/2006" xmlns:p159="http://schemas.microsoft.com/office/powerpoint/2015/09/main">
+    <mc:Choice Requires="p159">
       <p:transition xmlns:p14="http://schemas.microsoft.com/office/powerpoint/2010/main" spd="slow" p14:dur="2000">
         <p159:morph option="byObject"/>
       </p:transition>
     </mc:Choice>
-    <mc:Fallback>
-      <p:transition spd="slow">
-        <p:fade/>
-      </p:transition>
-    </mc:Fallback>
-  </mc:AlternateContent>
-</p:sld>
-</file>
-
-<file path=ppt/slides/slide12.xml><?xml version="1.0" encoding="utf-8"?>
-<p:sld xmlns:a="http://schemas.openxmlformats.org/drawingml/2006/main" xmlns:r="http://schemas.openxmlformats.org/officeDocument/2006/relationships" xmlns:p="http://schemas.openxmlformats.org/presentationml/2006/main">
-  <p:cSld>
-    <p:spTree>
-      <p:nvGrpSpPr>
-        <p:cNvPr id="1" name=""/>
-        <p:cNvGrpSpPr/>
-        <p:nvPr/>
-      </p:nvGrpSpPr>
-      <p:grpSpPr>
-        <a:xfrm>
-          <a:off x="0" y="0"/>
-          <a:ext cx="0" cy="0"/>
-          <a:chOff x="0" y="0"/>
-          <a:chExt cx="0" cy="0"/>
-        </a:xfrm>
-      </p:grpSpPr>
-      <p:sp>
-        <p:nvSpPr>
-          <p:cNvPr id="3" name="Segnaposto contenuto 2">
-            <a:extLst>
-              <a:ext uri="{FF2B5EF4-FFF2-40B4-BE49-F238E27FC236}">
-                <a16:creationId xmlns:a16="http://schemas.microsoft.com/office/drawing/2014/main" id="{79149D62-AD19-4502-948C-69969C1924BD}"/>
-              </a:ext>
-            </a:extLst>
-          </p:cNvPr>
-          <p:cNvSpPr>
-            <a:spLocks noGrp="1"/>
-          </p:cNvSpPr>
-          <p:nvPr>
-            <p:ph idx="1"/>
-          </p:nvPr>
-        </p:nvSpPr>
-        <p:spPr>
-          <a:xfrm>
-            <a:off x="902025" y="1371600"/>
-            <a:ext cx="10725116" cy="3351402"/>
-          </a:xfrm>
-        </p:spPr>
-        <p:txBody>
-          <a:bodyPr/>
-          <a:lstStyle/>
-          <a:p>
-            <a:r>
-              <a:rPr lang="en-US" dirty="0" err="1">
-                <a:latin typeface="Arial" panose="020B0604020202020204" pitchFamily="34" charset="0"/>
-                <a:cs typeface="Arial" panose="020B0604020202020204" pitchFamily="34" charset="0"/>
-              </a:rPr>
-              <a:t>MicroSphere</a:t>
-            </a:r>
-            <a:r>
-              <a:rPr lang="en-US" dirty="0">
-                <a:latin typeface="Arial" panose="020B0604020202020204" pitchFamily="34" charset="0"/>
-                <a:cs typeface="Arial" panose="020B0604020202020204" pitchFamily="34" charset="0"/>
-              </a:rPr>
-              <a:t> is a web application.</a:t>
-            </a:r>
-          </a:p>
-          <a:p>
-            <a:r>
-              <a:rPr lang="en-US" dirty="0">
-                <a:latin typeface="Arial" panose="020B0604020202020204" pitchFamily="34" charset="0"/>
-                <a:cs typeface="Arial" panose="020B0604020202020204" pitchFamily="34" charset="0"/>
-              </a:rPr>
-              <a:t>Languages used for coding are: </a:t>
-            </a:r>
-            <a:r>
-              <a:rPr lang="en-US" dirty="0" err="1">
-                <a:solidFill>
-                  <a:srgbClr val="00B0F0"/>
-                </a:solidFill>
-                <a:latin typeface="Arial" panose="020B0604020202020204" pitchFamily="34" charset="0"/>
-                <a:cs typeface="Arial" panose="020B0604020202020204" pitchFamily="34" charset="0"/>
-              </a:rPr>
-              <a:t>javascript</a:t>
-            </a:r>
-            <a:r>
-              <a:rPr lang="en-US" dirty="0">
-                <a:latin typeface="Arial" panose="020B0604020202020204" pitchFamily="34" charset="0"/>
-                <a:cs typeface="Arial" panose="020B0604020202020204" pitchFamily="34" charset="0"/>
-              </a:rPr>
-              <a:t>, </a:t>
-            </a:r>
-            <a:r>
-              <a:rPr lang="en-US" dirty="0" err="1">
-                <a:solidFill>
-                  <a:srgbClr val="00B0F0"/>
-                </a:solidFill>
-                <a:latin typeface="Arial" panose="020B0604020202020204" pitchFamily="34" charset="0"/>
-                <a:cs typeface="Arial" panose="020B0604020202020204" pitchFamily="34" charset="0"/>
-              </a:rPr>
-              <a:t>css</a:t>
-            </a:r>
-            <a:r>
-              <a:rPr lang="en-US" dirty="0">
-                <a:latin typeface="Arial" panose="020B0604020202020204" pitchFamily="34" charset="0"/>
-                <a:cs typeface="Arial" panose="020B0604020202020204" pitchFamily="34" charset="0"/>
-              </a:rPr>
-              <a:t> and </a:t>
-            </a:r>
-            <a:r>
-              <a:rPr lang="en-US" dirty="0">
-                <a:solidFill>
-                  <a:srgbClr val="00B0F0"/>
-                </a:solidFill>
-                <a:latin typeface="Arial" panose="020B0604020202020204" pitchFamily="34" charset="0"/>
-                <a:cs typeface="Arial" panose="020B0604020202020204" pitchFamily="34" charset="0"/>
-              </a:rPr>
-              <a:t>html</a:t>
-            </a:r>
-            <a:r>
-              <a:rPr lang="en-US" dirty="0">
-                <a:latin typeface="Arial" panose="020B0604020202020204" pitchFamily="34" charset="0"/>
-                <a:cs typeface="Arial" panose="020B0604020202020204" pitchFamily="34" charset="0"/>
-              </a:rPr>
-              <a:t>.</a:t>
-            </a:r>
-          </a:p>
-          <a:p>
-            <a:r>
-              <a:rPr lang="en-US" dirty="0">
-                <a:solidFill>
-                  <a:srgbClr val="00B0F0"/>
-                </a:solidFill>
-                <a:latin typeface="Arial" panose="020B0604020202020204" pitchFamily="34" charset="0"/>
-                <a:cs typeface="Arial" panose="020B0604020202020204" pitchFamily="34" charset="0"/>
-              </a:rPr>
-              <a:t>Google Chrome</a:t>
-            </a:r>
-            <a:r>
-              <a:rPr lang="en-US" dirty="0">
-                <a:latin typeface="Arial" panose="020B0604020202020204" pitchFamily="34" charset="0"/>
-                <a:cs typeface="Arial" panose="020B0604020202020204" pitchFamily="34" charset="0"/>
-              </a:rPr>
-              <a:t> is needed to launch the program. Google’s browser is the only one supporting experimental browser features, needed for BLE connection.</a:t>
-            </a:r>
-          </a:p>
-          <a:p>
-            <a:r>
-              <a:rPr lang="en-US" dirty="0">
-                <a:latin typeface="Arial" panose="020B0604020202020204" pitchFamily="34" charset="0"/>
-                <a:cs typeface="Arial" panose="020B0604020202020204" pitchFamily="34" charset="0"/>
-              </a:rPr>
-              <a:t>Firmware in </a:t>
-            </a:r>
-            <a:r>
-              <a:rPr lang="en-US" dirty="0" err="1">
-                <a:latin typeface="Arial" panose="020B0604020202020204" pitchFamily="34" charset="0"/>
-                <a:cs typeface="Arial" panose="020B0604020202020204" pitchFamily="34" charset="0"/>
-              </a:rPr>
-              <a:t>Microbit</a:t>
-            </a:r>
-            <a:r>
-              <a:rPr lang="en-US" dirty="0">
-                <a:latin typeface="Arial" panose="020B0604020202020204" pitchFamily="34" charset="0"/>
-                <a:cs typeface="Arial" panose="020B0604020202020204" pitchFamily="34" charset="0"/>
-              </a:rPr>
-              <a:t> is the </a:t>
-            </a:r>
-            <a:r>
-              <a:rPr lang="en-US" dirty="0">
-                <a:solidFill>
-                  <a:srgbClr val="00B0F0"/>
-                </a:solidFill>
-                <a:latin typeface="Arial" panose="020B0604020202020204" pitchFamily="34" charset="0"/>
-                <a:cs typeface="Arial" panose="020B0604020202020204" pitchFamily="34" charset="0"/>
-              </a:rPr>
-              <a:t>Lancaster University</a:t>
-            </a:r>
-            <a:r>
-              <a:rPr lang="en-US" dirty="0">
-                <a:latin typeface="Arial" panose="020B0604020202020204" pitchFamily="34" charset="0"/>
-                <a:cs typeface="Arial" panose="020B0604020202020204" pitchFamily="34" charset="0"/>
-              </a:rPr>
-              <a:t> one, developers of the microprocessor.</a:t>
-            </a:r>
-            <a:endParaRPr lang="it-IT" dirty="0">
-              <a:latin typeface="Arial" panose="020B0604020202020204" pitchFamily="34" charset="0"/>
-              <a:cs typeface="Arial" panose="020B0604020202020204" pitchFamily="34" charset="0"/>
-            </a:endParaRPr>
-          </a:p>
-          <a:p>
-            <a:endParaRPr lang="it-IT" dirty="0">
-              <a:latin typeface="Arial" panose="020B0604020202020204" pitchFamily="34" charset="0"/>
-              <a:cs typeface="Arial" panose="020B0604020202020204" pitchFamily="34" charset="0"/>
-            </a:endParaRPr>
-          </a:p>
-        </p:txBody>
-      </p:sp>
-      <p:sp>
-        <p:nvSpPr>
-          <p:cNvPr id="4" name="Titolo 1">
-            <a:extLst>
-              <a:ext uri="{FF2B5EF4-FFF2-40B4-BE49-F238E27FC236}">
-                <a16:creationId xmlns:a16="http://schemas.microsoft.com/office/drawing/2014/main" id="{DB7259A5-C4BB-498F-9991-B69557B81A1D}"/>
-              </a:ext>
-            </a:extLst>
-          </p:cNvPr>
-          <p:cNvSpPr txBox="1">
-            <a:spLocks/>
-          </p:cNvSpPr>
-          <p:nvPr/>
-        </p:nvSpPr>
-        <p:spPr>
-          <a:xfrm>
-            <a:off x="838200" y="0"/>
-            <a:ext cx="11250336" cy="956200"/>
-          </a:xfrm>
-          <a:prstGeom prst="rect">
-            <a:avLst/>
-          </a:prstGeom>
-        </p:spPr>
-        <p:txBody>
-          <a:bodyPr vert="horz" lIns="91440" tIns="45720" rIns="91440" bIns="45720" rtlCol="0" anchor="b">
-            <a:noAutofit/>
-          </a:bodyPr>
-          <a:lstStyle>
-            <a:lvl1pPr algn="l" defTabSz="914400" rtl="0" eaLnBrk="1" latinLnBrk="0" hangingPunct="1">
-              <a:lnSpc>
-                <a:spcPct val="90000"/>
-              </a:lnSpc>
-              <a:spcBef>
-                <a:spcPct val="0"/>
-              </a:spcBef>
-              <a:buNone/>
-              <a:defRPr sz="3600" kern="1200" spc="100" baseline="0">
-                <a:solidFill>
-                  <a:schemeClr val="tx1"/>
-                </a:solidFill>
-                <a:latin typeface="+mj-lt"/>
-                <a:ea typeface="+mj-ea"/>
-                <a:cs typeface="+mj-cs"/>
-              </a:defRPr>
-            </a:lvl1pPr>
-          </a:lstStyle>
-          <a:p>
-            <a:r>
-              <a:rPr lang="it-IT" sz="4800" dirty="0">
-                <a:latin typeface="Arial" panose="020B0604020202020204" pitchFamily="34" charset="0"/>
-                <a:cs typeface="Arial" panose="020B0604020202020204" pitchFamily="34" charset="0"/>
-              </a:rPr>
-              <a:t>ENVIRONMENT</a:t>
-            </a:r>
-          </a:p>
-        </p:txBody>
-      </p:sp>
-      <p:cxnSp>
-        <p:nvCxnSpPr>
-          <p:cNvPr id="5" name="Connettore diritto 4">
-            <a:extLst>
-              <a:ext uri="{FF2B5EF4-FFF2-40B4-BE49-F238E27FC236}">
-                <a16:creationId xmlns:a16="http://schemas.microsoft.com/office/drawing/2014/main" id="{B2802FDF-56A9-42B7-8169-288F7E0B1BEE}"/>
-              </a:ext>
-            </a:extLst>
-          </p:cNvPr>
-          <p:cNvCxnSpPr/>
-          <p:nvPr/>
-        </p:nvCxnSpPr>
-        <p:spPr>
-          <a:xfrm>
-            <a:off x="0" y="956200"/>
-            <a:ext cx="12192000" cy="0"/>
-          </a:xfrm>
-          <a:prstGeom prst="line">
-            <a:avLst/>
-          </a:prstGeom>
-          <a:ln w="38100">
-            <a:solidFill>
-              <a:schemeClr val="accent1">
-                <a:lumMod val="50000"/>
-              </a:schemeClr>
-            </a:solidFill>
-          </a:ln>
-        </p:spPr>
-        <p:style>
-          <a:lnRef idx="1">
-            <a:schemeClr val="accent1"/>
-          </a:lnRef>
-          <a:fillRef idx="0">
-            <a:schemeClr val="accent1"/>
-          </a:fillRef>
-          <a:effectRef idx="0">
-            <a:schemeClr val="accent1"/>
-          </a:effectRef>
-          <a:fontRef idx="minor">
-            <a:schemeClr val="tx1"/>
-          </a:fontRef>
-        </p:style>
-      </p:cxnSp>
-    </p:spTree>
-    <p:extLst>
-      <p:ext uri="{BB962C8B-B14F-4D97-AF65-F5344CB8AC3E}">
-        <p14:creationId xmlns:p14="http://schemas.microsoft.com/office/powerpoint/2010/main" val="1883481224"/>
-      </p:ext>
-    </p:extLst>
-  </p:cSld>
-  <p:clrMapOvr>
-    <a:masterClrMapping/>
-  </p:clrMapOvr>
-  <mc:AlternateContent xmlns:mc="http://schemas.openxmlformats.org/markup-compatibility/2006">
-    <mc:Choice xmlns:p159="http://schemas.microsoft.com/office/powerpoint/2015/09/main" Requires="p159">
-      <p:transition xmlns:p14="http://schemas.microsoft.com/office/powerpoint/2010/main" spd="slow" p14:dur="2000">
-        <p159:morph option="byObject"/>
-      </p:transition>
-    </mc:Choice>
-    <mc:Fallback>
+    <mc:Fallback xmlns="">
       <p:transition spd="slow">
         <p:fade/>
       </p:transition>
@@ -8544,13 +8876,13 @@
   <p:clrMapOvr>
     <a:masterClrMapping/>
   </p:clrMapOvr>
-  <mc:AlternateContent xmlns:mc="http://schemas.openxmlformats.org/markup-compatibility/2006">
-    <mc:Choice xmlns:p159="http://schemas.microsoft.com/office/powerpoint/2015/09/main" Requires="p159">
+  <mc:AlternateContent xmlns:mc="http://schemas.openxmlformats.org/markup-compatibility/2006" xmlns:p159="http://schemas.microsoft.com/office/powerpoint/2015/09/main">
+    <mc:Choice Requires="p159">
       <p:transition xmlns:p14="http://schemas.microsoft.com/office/powerpoint/2010/main" spd="slow" p14:dur="2000">
         <p159:morph option="byObject"/>
       </p:transition>
     </mc:Choice>
-    <mc:Fallback>
+    <mc:Fallback xmlns="">
       <p:transition spd="slow">
         <p:fade/>
       </p:transition>
@@ -11886,13 +12218,13 @@
   <p:clrMapOvr>
     <a:masterClrMapping/>
   </p:clrMapOvr>
-  <mc:AlternateContent xmlns:mc="http://schemas.openxmlformats.org/markup-compatibility/2006">
-    <mc:Choice xmlns:p159="http://schemas.microsoft.com/office/powerpoint/2015/09/main" Requires="p159">
+  <mc:AlternateContent xmlns:mc="http://schemas.openxmlformats.org/markup-compatibility/2006" xmlns:p159="http://schemas.microsoft.com/office/powerpoint/2015/09/main">
+    <mc:Choice Requires="p159">
       <p:transition xmlns:p14="http://schemas.microsoft.com/office/powerpoint/2010/main" spd="slow" p14:dur="2000">
         <p159:morph option="byObject"/>
       </p:transition>
     </mc:Choice>
-    <mc:Fallback>
+    <mc:Fallback xmlns="">
       <p:transition spd="slow">
         <p:fade/>
       </p:transition>
@@ -12779,13 +13111,13 @@
   <p:clrMapOvr>
     <a:masterClrMapping/>
   </p:clrMapOvr>
-  <mc:AlternateContent xmlns:mc="http://schemas.openxmlformats.org/markup-compatibility/2006">
-    <mc:Choice xmlns:p159="http://schemas.microsoft.com/office/powerpoint/2015/09/main" Requires="p159">
+  <mc:AlternateContent xmlns:mc="http://schemas.openxmlformats.org/markup-compatibility/2006" xmlns:p159="http://schemas.microsoft.com/office/powerpoint/2015/09/main">
+    <mc:Choice Requires="p159">
       <p:transition xmlns:p14="http://schemas.microsoft.com/office/powerpoint/2010/main" spd="slow" p14:dur="2000">
         <p159:morph option="byObject"/>
       </p:transition>
     </mc:Choice>
-    <mc:Fallback>
+    <mc:Fallback xmlns="">
       <p:transition spd="slow">
         <p:fade/>
       </p:transition>
@@ -12811,41 +13143,36 @@
           <a:chExt cx="0" cy="0"/>
         </a:xfrm>
       </p:grpSpPr>
-      <p:sp>
-        <p:nvSpPr>
-          <p:cNvPr id="2" name="CasellaDiTesto 1">
+      <p:pic>
+        <p:nvPicPr>
+          <p:cNvPr id="3" name="Immagine 2">
             <a:extLst>
               <a:ext uri="{FF2B5EF4-FFF2-40B4-BE49-F238E27FC236}">
-                <a16:creationId xmlns:a16="http://schemas.microsoft.com/office/drawing/2014/main" id="{C40DAE19-0E17-4825-8A5A-272417A9CF5D}"/>
+                <a16:creationId xmlns:a16="http://schemas.microsoft.com/office/drawing/2014/main" id="{58B3F2ED-AF63-40CE-BBF9-F16F92C17C4E}"/>
               </a:ext>
             </a:extLst>
           </p:cNvPr>
-          <p:cNvSpPr txBox="1"/>
+          <p:cNvPicPr>
+            <a:picLocks noChangeAspect="1"/>
+          </p:cNvPicPr>
           <p:nvPr/>
-        </p:nvSpPr>
+        </p:nvPicPr>
+        <p:blipFill>
+          <a:blip r:embed="rId2"/>
+          <a:stretch>
+            <a:fillRect/>
+          </a:stretch>
+        </p:blipFill>
         <p:spPr>
           <a:xfrm>
-            <a:off x="4387442" y="1384183"/>
-            <a:ext cx="1858009" cy="369332"/>
+            <a:off x="335280" y="188595"/>
+            <a:ext cx="11521440" cy="6480810"/>
           </a:xfrm>
           <a:prstGeom prst="rect">
             <a:avLst/>
           </a:prstGeom>
-          <a:noFill/>
         </p:spPr>
-        <p:txBody>
-          <a:bodyPr wrap="none" rtlCol="0">
-            <a:spAutoFit/>
-          </a:bodyPr>
-          <a:lstStyle/>
-          <a:p>
-            <a:r>
-              <a:rPr lang="it-IT" dirty="0"/>
-              <a:t>Interfaccia screen</a:t>
-            </a:r>
-          </a:p>
-        </p:txBody>
-      </p:sp>
+      </p:pic>
     </p:spTree>
     <p:extLst>
       <p:ext uri="{BB962C8B-B14F-4D97-AF65-F5344CB8AC3E}">
@@ -12856,13 +13183,13 @@
   <p:clrMapOvr>
     <a:masterClrMapping/>
   </p:clrMapOvr>
-  <mc:AlternateContent xmlns:mc="http://schemas.openxmlformats.org/markup-compatibility/2006">
-    <mc:Choice xmlns:p159="http://schemas.microsoft.com/office/powerpoint/2015/09/main" Requires="p159">
+  <mc:AlternateContent xmlns:mc="http://schemas.openxmlformats.org/markup-compatibility/2006" xmlns:p159="http://schemas.microsoft.com/office/powerpoint/2015/09/main">
+    <mc:Choice Requires="p159">
       <p:transition xmlns:p14="http://schemas.microsoft.com/office/powerpoint/2010/main" spd="slow" p14:dur="2000">
         <p159:morph option="byObject"/>
       </p:transition>
     </mc:Choice>
-    <mc:Fallback>
+    <mc:Fallback xmlns="">
       <p:transition spd="slow">
         <p:fade/>
       </p:transition>
@@ -12906,7 +13233,7 @@
         </p:nvSpPr>
         <p:spPr>
           <a:xfrm>
-            <a:off x="838200" y="1912400"/>
+            <a:off x="838200" y="3223040"/>
             <a:ext cx="9136770" cy="3178729"/>
           </a:xfrm>
         </p:spPr>
@@ -12937,13 +13264,10 @@
               </a:rPr>
               <a:t>section</a:t>
             </a:r>
-            <a:r>
-              <a:rPr lang="it-IT" dirty="0">
-                <a:latin typeface="Arial" panose="020B0604020202020204" pitchFamily="34" charset="0"/>
-                <a:cs typeface="Arial" panose="020B0604020202020204" pitchFamily="34" charset="0"/>
-              </a:rPr>
-              <a:t>.</a:t>
-            </a:r>
+            <a:endParaRPr lang="it-IT" dirty="0">
+              <a:latin typeface="Arial" panose="020B0604020202020204" pitchFamily="34" charset="0"/>
+              <a:cs typeface="Arial" panose="020B0604020202020204" pitchFamily="34" charset="0"/>
+            </a:endParaRPr>
           </a:p>
           <a:p>
             <a:r>
@@ -13195,6 +13519,35 @@
           </a:fontRef>
         </p:style>
       </p:cxnSp>
+      <p:pic>
+        <p:nvPicPr>
+          <p:cNvPr id="2" name="Immagine 1">
+            <a:extLst>
+              <a:ext uri="{FF2B5EF4-FFF2-40B4-BE49-F238E27FC236}">
+                <a16:creationId xmlns:a16="http://schemas.microsoft.com/office/drawing/2014/main" id="{22442A00-3285-447D-B984-78AA281D8837}"/>
+              </a:ext>
+            </a:extLst>
+          </p:cNvPr>
+          <p:cNvPicPr>
+            <a:picLocks noChangeAspect="1"/>
+          </p:cNvPicPr>
+          <p:nvPr/>
+        </p:nvPicPr>
+        <p:blipFill rotWithShape="1">
+          <a:blip r:embed="rId2"/>
+          <a:srcRect l="50000" t="39111" b="3407"/>
+          <a:stretch/>
+        </p:blipFill>
+        <p:spPr>
+          <a:xfrm>
+            <a:off x="5892800" y="1149049"/>
+            <a:ext cx="6096000" cy="3942080"/>
+          </a:xfrm>
+          <a:prstGeom prst="rect">
+            <a:avLst/>
+          </a:prstGeom>
+        </p:spPr>
+      </p:pic>
     </p:spTree>
     <p:extLst>
       <p:ext uri="{BB962C8B-B14F-4D97-AF65-F5344CB8AC3E}">
@@ -13205,13 +13558,13 @@
   <p:clrMapOvr>
     <a:masterClrMapping/>
   </p:clrMapOvr>
-  <mc:AlternateContent xmlns:mc="http://schemas.openxmlformats.org/markup-compatibility/2006">
-    <mc:Choice xmlns:p159="http://schemas.microsoft.com/office/powerpoint/2015/09/main" Requires="p159">
+  <mc:AlternateContent xmlns:mc="http://schemas.openxmlformats.org/markup-compatibility/2006" xmlns:p159="http://schemas.microsoft.com/office/powerpoint/2015/09/main">
+    <mc:Choice Requires="p159">
       <p:transition xmlns:p14="http://schemas.microsoft.com/office/powerpoint/2010/main" spd="slow" p14:dur="2000">
         <p159:morph option="byObject"/>
       </p:transition>
     </mc:Choice>
-    <mc:Fallback>
+    <mc:Fallback xmlns="">
       <p:transition spd="slow">
         <p:fade/>
       </p:transition>
@@ -13290,13 +13643,13 @@
   <p:clrMapOvr>
     <a:masterClrMapping/>
   </p:clrMapOvr>
-  <mc:AlternateContent xmlns:mc="http://schemas.openxmlformats.org/markup-compatibility/2006">
-    <mc:Choice xmlns:p159="http://schemas.microsoft.com/office/powerpoint/2015/09/main" Requires="p159">
+  <mc:AlternateContent xmlns:mc="http://schemas.openxmlformats.org/markup-compatibility/2006" xmlns:p159="http://schemas.microsoft.com/office/powerpoint/2015/09/main">
+    <mc:Choice Requires="p159">
       <p:transition xmlns:p14="http://schemas.microsoft.com/office/powerpoint/2010/main" spd="slow" p14:dur="2000">
         <p159:morph option="byObject"/>
       </p:transition>
     </mc:Choice>
-    <mc:Fallback>
+    <mc:Fallback xmlns="">
       <p:transition spd="slow">
         <p:fade/>
       </p:transition>
@@ -13609,13 +13962,13 @@
   <p:clrMapOvr>
     <a:masterClrMapping/>
   </p:clrMapOvr>
-  <mc:AlternateContent xmlns:mc="http://schemas.openxmlformats.org/markup-compatibility/2006">
-    <mc:Choice xmlns:p159="http://schemas.microsoft.com/office/powerpoint/2015/09/main" Requires="p159">
+  <mc:AlternateContent xmlns:mc="http://schemas.openxmlformats.org/markup-compatibility/2006" xmlns:p159="http://schemas.microsoft.com/office/powerpoint/2015/09/main">
+    <mc:Choice Requires="p159">
       <p:transition xmlns:p14="http://schemas.microsoft.com/office/powerpoint/2010/main" spd="slow" p14:dur="2000">
         <p159:morph option="byObject"/>
       </p:transition>
     </mc:Choice>
-    <mc:Fallback>
+    <mc:Fallback xmlns="">
       <p:transition spd="slow">
         <p:fade/>
       </p:transition>
@@ -13687,13 +14040,13 @@
   <p:clrMapOvr>
     <a:masterClrMapping/>
   </p:clrMapOvr>
-  <mc:AlternateContent xmlns:mc="http://schemas.openxmlformats.org/markup-compatibility/2006">
-    <mc:Choice xmlns:p159="http://schemas.microsoft.com/office/powerpoint/2015/09/main" Requires="p159">
+  <mc:AlternateContent xmlns:mc="http://schemas.openxmlformats.org/markup-compatibility/2006" xmlns:p159="http://schemas.microsoft.com/office/powerpoint/2015/09/main">
+    <mc:Choice Requires="p159">
       <p:transition xmlns:p14="http://schemas.microsoft.com/office/powerpoint/2010/main" spd="slow" p14:dur="2000">
         <p159:morph option="byObject"/>
       </p:transition>
     </mc:Choice>
-    <mc:Fallback>
+    <mc:Fallback xmlns="">
       <p:transition spd="slow">
         <p:fade/>
       </p:transition>
@@ -13970,13 +14323,13 @@
   <p:clrMapOvr>
     <a:masterClrMapping/>
   </p:clrMapOvr>
-  <mc:AlternateContent xmlns:mc="http://schemas.openxmlformats.org/markup-compatibility/2006">
-    <mc:Choice xmlns:p159="http://schemas.microsoft.com/office/powerpoint/2015/09/main" Requires="p159">
+  <mc:AlternateContent xmlns:mc="http://schemas.openxmlformats.org/markup-compatibility/2006" xmlns:p159="http://schemas.microsoft.com/office/powerpoint/2015/09/main">
+    <mc:Choice Requires="p159">
       <p:transition xmlns:p14="http://schemas.microsoft.com/office/powerpoint/2010/main" spd="slow" p14:dur="2000">
         <p159:morph option="byObject"/>
       </p:transition>
     </mc:Choice>
-    <mc:Fallback>
+    <mc:Fallback xmlns="">
       <p:transition spd="slow">
         <p:fade/>
       </p:transition>
@@ -14404,13 +14757,13 @@
   <p:clrMapOvr>
     <a:masterClrMapping/>
   </p:clrMapOvr>
-  <mc:AlternateContent xmlns:mc="http://schemas.openxmlformats.org/markup-compatibility/2006">
-    <mc:Choice xmlns:p159="http://schemas.microsoft.com/office/powerpoint/2015/09/main" Requires="p159">
+  <mc:AlternateContent xmlns:mc="http://schemas.openxmlformats.org/markup-compatibility/2006" xmlns:p159="http://schemas.microsoft.com/office/powerpoint/2015/09/main">
+    <mc:Choice Requires="p159">
       <p:transition xmlns:p14="http://schemas.microsoft.com/office/powerpoint/2010/main" spd="slow" p14:dur="2000">
         <p159:morph option="byObject"/>
       </p:transition>
     </mc:Choice>
-    <mc:Fallback>
+    <mc:Fallback xmlns="">
       <p:transition spd="slow">
         <p:fade/>
       </p:transition>
@@ -15332,13 +15685,13 @@
   <p:clrMapOvr>
     <a:masterClrMapping/>
   </p:clrMapOvr>
-  <mc:AlternateContent xmlns:mc="http://schemas.openxmlformats.org/markup-compatibility/2006">
-    <mc:Choice xmlns:p159="http://schemas.microsoft.com/office/powerpoint/2015/09/main" Requires="p159">
+  <mc:AlternateContent xmlns:mc="http://schemas.openxmlformats.org/markup-compatibility/2006" xmlns:p159="http://schemas.microsoft.com/office/powerpoint/2015/09/main">
+    <mc:Choice Requires="p159">
       <p:transition xmlns:p14="http://schemas.microsoft.com/office/powerpoint/2010/main" spd="slow" p14:dur="2000">
         <p159:morph option="byObject"/>
       </p:transition>
     </mc:Choice>
-    <mc:Fallback>
+    <mc:Fallback xmlns="">
       <p:transition spd="slow">
         <p:fade/>
       </p:transition>
@@ -16726,13 +17079,13 @@
   <p:clrMapOvr>
     <a:masterClrMapping/>
   </p:clrMapOvr>
-  <mc:AlternateContent xmlns:mc="http://schemas.openxmlformats.org/markup-compatibility/2006">
-    <mc:Choice xmlns:p159="http://schemas.microsoft.com/office/powerpoint/2015/09/main" Requires="p159">
+  <mc:AlternateContent xmlns:mc="http://schemas.openxmlformats.org/markup-compatibility/2006" xmlns:p159="http://schemas.microsoft.com/office/powerpoint/2015/09/main">
+    <mc:Choice Requires="p159">
       <p:transition xmlns:p14="http://schemas.microsoft.com/office/powerpoint/2010/main" spd="slow" p14:dur="2000">
         <p159:morph option="byObject"/>
       </p:transition>
     </mc:Choice>
-    <mc:Fallback>
+    <mc:Fallback xmlns="">
       <p:transition spd="slow">
         <p:fade/>
       </p:transition>
@@ -16804,13 +17157,13 @@
   <p:clrMapOvr>
     <a:masterClrMapping/>
   </p:clrMapOvr>
-  <mc:AlternateContent xmlns:mc="http://schemas.openxmlformats.org/markup-compatibility/2006">
-    <mc:Choice xmlns:p159="http://schemas.microsoft.com/office/powerpoint/2015/09/main" Requires="p159">
+  <mc:AlternateContent xmlns:mc="http://schemas.openxmlformats.org/markup-compatibility/2006" xmlns:p159="http://schemas.microsoft.com/office/powerpoint/2015/09/main">
+    <mc:Choice Requires="p159">
       <p:transition xmlns:p14="http://schemas.microsoft.com/office/powerpoint/2010/main" spd="slow" p14:dur="2000">
         <p159:morph option="byObject"/>
       </p:transition>
     </mc:Choice>
-    <mc:Fallback>
+    <mc:Fallback xmlns="">
       <p:transition spd="slow">
         <p:fade/>
       </p:transition>
@@ -16841,7 +17194,7 @@
           <p:cNvPr id="3" name="Segnaposto contenuto 2">
             <a:extLst>
               <a:ext uri="{FF2B5EF4-FFF2-40B4-BE49-F238E27FC236}">
-                <a16:creationId xmlns:a16="http://schemas.microsoft.com/office/drawing/2014/main" id="{019652F2-13CA-49C3-98D3-CAA7F0AAA6FC}"/>
+                <a16:creationId xmlns:a16="http://schemas.microsoft.com/office/drawing/2014/main" id="{79149D62-AD19-4502-948C-69969C1924BD}"/>
               </a:ext>
             </a:extLst>
           </p:cNvPr>
@@ -16854,489 +17207,157 @@
         </p:nvSpPr>
         <p:spPr>
           <a:xfrm>
-            <a:off x="838200" y="1317073"/>
-            <a:ext cx="10847664" cy="4077048"/>
+            <a:off x="902025" y="1371600"/>
+            <a:ext cx="10725116" cy="3351402"/>
           </a:xfrm>
         </p:spPr>
         <p:txBody>
           <a:bodyPr/>
           <a:lstStyle/>
           <a:p>
-            <a:pPr marL="514350" indent="-514350">
-              <a:buFont typeface="+mj-lt"/>
-              <a:buAutoNum type="romanUcPeriod"/>
-            </a:pPr>
-            <a:r>
-              <a:rPr lang="it-IT" dirty="0">
-                <a:latin typeface="Arial" panose="020B0604020202020204" pitchFamily="34" charset="0"/>
-                <a:cs typeface="Arial" panose="020B0604020202020204" pitchFamily="34" charset="0"/>
-              </a:rPr>
-              <a:t>BLE connection routine;</a:t>
-            </a:r>
-          </a:p>
-          <a:p>
-            <a:pPr marL="514350" indent="-514350">
-              <a:buFont typeface="+mj-lt"/>
-              <a:buAutoNum type="romanUcPeriod"/>
-            </a:pPr>
-            <a:r>
-              <a:rPr lang="it-IT" dirty="0">
-                <a:latin typeface="Arial" panose="020B0604020202020204" pitchFamily="34" charset="0"/>
-                <a:cs typeface="Arial" panose="020B0604020202020204" pitchFamily="34" charset="0"/>
-              </a:rPr>
-              <a:t>PROCEDURE II: </a:t>
-            </a:r>
-            <a:r>
-              <a:rPr lang="it-IT" dirty="0" err="1">
-                <a:latin typeface="Arial" panose="020B0604020202020204" pitchFamily="34" charset="0"/>
-                <a:cs typeface="Arial" panose="020B0604020202020204" pitchFamily="34" charset="0"/>
-              </a:rPr>
-              <a:t>chord</a:t>
-            </a:r>
-            <a:r>
-              <a:rPr lang="it-IT" dirty="0">
-                <a:latin typeface="Arial" panose="020B0604020202020204" pitchFamily="34" charset="0"/>
-                <a:cs typeface="Arial" panose="020B0604020202020204" pitchFamily="34" charset="0"/>
-              </a:rPr>
-              <a:t> </a:t>
-            </a:r>
-            <a:r>
-              <a:rPr lang="it-IT" dirty="0" err="1">
-                <a:latin typeface="Arial" panose="020B0604020202020204" pitchFamily="34" charset="0"/>
-                <a:cs typeface="Arial" panose="020B0604020202020204" pitchFamily="34" charset="0"/>
-              </a:rPr>
-              <a:t>acquirement</a:t>
-            </a:r>
-            <a:r>
-              <a:rPr lang="it-IT" dirty="0">
+            <a:r>
+              <a:rPr lang="en-US" dirty="0" err="1">
+                <a:latin typeface="Arial" panose="020B0604020202020204" pitchFamily="34" charset="0"/>
+                <a:cs typeface="Arial" panose="020B0604020202020204" pitchFamily="34" charset="0"/>
+              </a:rPr>
+              <a:t>MicroSphere</a:t>
+            </a:r>
+            <a:r>
+              <a:rPr lang="en-US" dirty="0">
+                <a:latin typeface="Arial" panose="020B0604020202020204" pitchFamily="34" charset="0"/>
+                <a:cs typeface="Arial" panose="020B0604020202020204" pitchFamily="34" charset="0"/>
+              </a:rPr>
+              <a:t> is a web application.</a:t>
+            </a:r>
+          </a:p>
+          <a:p>
+            <a:r>
+              <a:rPr lang="en-US" dirty="0">
+                <a:latin typeface="Arial" panose="020B0604020202020204" pitchFamily="34" charset="0"/>
+                <a:cs typeface="Arial" panose="020B0604020202020204" pitchFamily="34" charset="0"/>
+              </a:rPr>
+              <a:t>Languages used for coding are: </a:t>
+            </a:r>
+            <a:r>
+              <a:rPr lang="en-US" dirty="0" err="1">
+                <a:solidFill>
+                  <a:srgbClr val="00B0F0"/>
+                </a:solidFill>
+                <a:latin typeface="Arial" panose="020B0604020202020204" pitchFamily="34" charset="0"/>
+                <a:cs typeface="Arial" panose="020B0604020202020204" pitchFamily="34" charset="0"/>
+              </a:rPr>
+              <a:t>javascript</a:t>
+            </a:r>
+            <a:r>
+              <a:rPr lang="en-US" dirty="0">
+                <a:latin typeface="Arial" panose="020B0604020202020204" pitchFamily="34" charset="0"/>
+                <a:cs typeface="Arial" panose="020B0604020202020204" pitchFamily="34" charset="0"/>
+              </a:rPr>
+              <a:t>, </a:t>
+            </a:r>
+            <a:r>
+              <a:rPr lang="en-US" dirty="0" err="1">
+                <a:solidFill>
+                  <a:srgbClr val="00B0F0"/>
+                </a:solidFill>
+                <a:latin typeface="Arial" panose="020B0604020202020204" pitchFamily="34" charset="0"/>
+                <a:cs typeface="Arial" panose="020B0604020202020204" pitchFamily="34" charset="0"/>
+              </a:rPr>
+              <a:t>css</a:t>
+            </a:r>
+            <a:r>
+              <a:rPr lang="en-US" dirty="0">
                 <a:latin typeface="Arial" panose="020B0604020202020204" pitchFamily="34" charset="0"/>
                 <a:cs typeface="Arial" panose="020B0604020202020204" pitchFamily="34" charset="0"/>
               </a:rPr>
               <a:t> and </a:t>
             </a:r>
             <a:r>
-              <a:rPr lang="it-IT" dirty="0" err="1">
-                <a:latin typeface="Arial" panose="020B0604020202020204" pitchFamily="34" charset="0"/>
-                <a:cs typeface="Arial" panose="020B0604020202020204" pitchFamily="34" charset="0"/>
-              </a:rPr>
-              <a:t>elaboration</a:t>
-            </a:r>
-            <a:r>
-              <a:rPr lang="it-IT" dirty="0">
-                <a:latin typeface="Arial" panose="020B0604020202020204" pitchFamily="34" charset="0"/>
-                <a:cs typeface="Arial" panose="020B0604020202020204" pitchFamily="34" charset="0"/>
-              </a:rPr>
-              <a:t>;</a:t>
-            </a:r>
-          </a:p>
-          <a:p>
-            <a:pPr marL="514350" indent="-514350">
-              <a:buFont typeface="+mj-lt"/>
-              <a:buAutoNum type="romanUcPeriod"/>
-            </a:pPr>
-            <a:r>
-              <a:rPr lang="it-IT" dirty="0" err="1">
-                <a:latin typeface="Arial" panose="020B0604020202020204" pitchFamily="34" charset="0"/>
-                <a:cs typeface="Arial" panose="020B0604020202020204" pitchFamily="34" charset="0"/>
-              </a:rPr>
-              <a:t>Returned</a:t>
-            </a:r>
-            <a:r>
-              <a:rPr lang="it-IT" dirty="0">
-                <a:latin typeface="Arial" panose="020B0604020202020204" pitchFamily="34" charset="0"/>
-                <a:cs typeface="Arial" panose="020B0604020202020204" pitchFamily="34" charset="0"/>
-              </a:rPr>
-              <a:t> </a:t>
-            </a:r>
-            <a:r>
-              <a:rPr lang="it-IT" dirty="0" err="1">
-                <a:latin typeface="Arial" panose="020B0604020202020204" pitchFamily="34" charset="0"/>
-                <a:cs typeface="Arial" panose="020B0604020202020204" pitchFamily="34" charset="0"/>
-              </a:rPr>
-              <a:t>scales</a:t>
-            </a:r>
-            <a:r>
-              <a:rPr lang="it-IT" dirty="0">
-                <a:latin typeface="Arial" panose="020B0604020202020204" pitchFamily="34" charset="0"/>
-                <a:cs typeface="Arial" panose="020B0604020202020204" pitchFamily="34" charset="0"/>
-              </a:rPr>
-              <a:t> are </a:t>
-            </a:r>
-            <a:r>
-              <a:rPr lang="it-IT" dirty="0" err="1">
-                <a:latin typeface="Arial" panose="020B0604020202020204" pitchFamily="34" charset="0"/>
-                <a:cs typeface="Arial" panose="020B0604020202020204" pitchFamily="34" charset="0"/>
-              </a:rPr>
-              <a:t>associated</a:t>
-            </a:r>
-            <a:r>
-              <a:rPr lang="it-IT" dirty="0">
-                <a:latin typeface="Arial" panose="020B0604020202020204" pitchFamily="34" charset="0"/>
-                <a:cs typeface="Arial" panose="020B0604020202020204" pitchFamily="34" charset="0"/>
-              </a:rPr>
-              <a:t> to </a:t>
-            </a:r>
-            <a:r>
-              <a:rPr lang="it-IT" dirty="0" err="1">
-                <a:latin typeface="Arial" panose="020B0604020202020204" pitchFamily="34" charset="0"/>
-                <a:cs typeface="Arial" panose="020B0604020202020204" pitchFamily="34" charset="0"/>
-              </a:rPr>
-              <a:t>Micro:bit’s</a:t>
-            </a:r>
-            <a:r>
-              <a:rPr lang="it-IT" dirty="0">
-                <a:latin typeface="Arial" panose="020B0604020202020204" pitchFamily="34" charset="0"/>
-                <a:cs typeface="Arial" panose="020B0604020202020204" pitchFamily="34" charset="0"/>
-              </a:rPr>
-              <a:t> </a:t>
-            </a:r>
-            <a:r>
-              <a:rPr lang="it-IT" dirty="0" err="1">
-                <a:latin typeface="Arial" panose="020B0604020202020204" pitchFamily="34" charset="0"/>
-                <a:cs typeface="Arial" panose="020B0604020202020204" pitchFamily="34" charset="0"/>
-              </a:rPr>
-              <a:t>accelerometer</a:t>
-            </a:r>
-            <a:r>
-              <a:rPr lang="it-IT" dirty="0">
-                <a:latin typeface="Arial" panose="020B0604020202020204" pitchFamily="34" charset="0"/>
-                <a:cs typeface="Arial" panose="020B0604020202020204" pitchFamily="34" charset="0"/>
-              </a:rPr>
-              <a:t> </a:t>
-            </a:r>
-            <a:r>
-              <a:rPr lang="it-IT" dirty="0" err="1">
-                <a:latin typeface="Arial" panose="020B0604020202020204" pitchFamily="34" charset="0"/>
-                <a:cs typeface="Arial" panose="020B0604020202020204" pitchFamily="34" charset="0"/>
-              </a:rPr>
-              <a:t>values</a:t>
-            </a:r>
-            <a:r>
-              <a:rPr lang="it-IT" dirty="0">
-                <a:latin typeface="Arial" panose="020B0604020202020204" pitchFamily="34" charset="0"/>
-                <a:cs typeface="Arial" panose="020B0604020202020204" pitchFamily="34" charset="0"/>
-              </a:rPr>
-              <a:t>;</a:t>
-            </a:r>
-          </a:p>
-          <a:p>
-            <a:pPr marL="514350" indent="-514350">
-              <a:buFont typeface="+mj-lt"/>
-              <a:buAutoNum type="romanUcPeriod"/>
-            </a:pPr>
-            <a:r>
-              <a:rPr lang="it-IT" dirty="0" err="1">
-                <a:latin typeface="Arial" panose="020B0604020202020204" pitchFamily="34" charset="0"/>
-                <a:cs typeface="Arial" panose="020B0604020202020204" pitchFamily="34" charset="0"/>
-              </a:rPr>
-              <a:t>Accelerometer</a:t>
-            </a:r>
-            <a:r>
-              <a:rPr lang="it-IT" dirty="0">
-                <a:latin typeface="Arial" panose="020B0604020202020204" pitchFamily="34" charset="0"/>
-                <a:cs typeface="Arial" panose="020B0604020202020204" pitchFamily="34" charset="0"/>
-              </a:rPr>
-              <a:t> </a:t>
-            </a:r>
-            <a:r>
-              <a:rPr lang="it-IT" dirty="0" err="1">
-                <a:latin typeface="Arial" panose="020B0604020202020204" pitchFamily="34" charset="0"/>
-                <a:cs typeface="Arial" panose="020B0604020202020204" pitchFamily="34" charset="0"/>
-              </a:rPr>
-              <a:t>values</a:t>
-            </a:r>
-            <a:r>
-              <a:rPr lang="it-IT" dirty="0">
-                <a:latin typeface="Arial" panose="020B0604020202020204" pitchFamily="34" charset="0"/>
-                <a:cs typeface="Arial" panose="020B0604020202020204" pitchFamily="34" charset="0"/>
-              </a:rPr>
-              <a:t> </a:t>
-            </a:r>
-            <a:r>
-              <a:rPr lang="it-IT" dirty="0" err="1">
-                <a:latin typeface="Arial" panose="020B0604020202020204" pitchFamily="34" charset="0"/>
-                <a:cs typeface="Arial" panose="020B0604020202020204" pitchFamily="34" charset="0"/>
-              </a:rPr>
-              <a:t>that</a:t>
-            </a:r>
-            <a:r>
-              <a:rPr lang="it-IT" dirty="0">
-                <a:latin typeface="Arial" panose="020B0604020202020204" pitchFamily="34" charset="0"/>
-                <a:cs typeface="Arial" panose="020B0604020202020204" pitchFamily="34" charset="0"/>
-              </a:rPr>
-              <a:t> are </a:t>
-            </a:r>
-            <a:r>
-              <a:rPr lang="it-IT" dirty="0" err="1">
-                <a:latin typeface="Arial" panose="020B0604020202020204" pitchFamily="34" charset="0"/>
-                <a:cs typeface="Arial" panose="020B0604020202020204" pitchFamily="34" charset="0"/>
-              </a:rPr>
-              <a:t>mapped</a:t>
-            </a:r>
-            <a:r>
-              <a:rPr lang="it-IT" dirty="0">
-                <a:latin typeface="Arial" panose="020B0604020202020204" pitchFamily="34" charset="0"/>
-                <a:cs typeface="Arial" panose="020B0604020202020204" pitchFamily="34" charset="0"/>
-              </a:rPr>
-              <a:t> on 3 </a:t>
-            </a:r>
-            <a:r>
-              <a:rPr lang="it-IT" dirty="0" err="1">
-                <a:latin typeface="Arial" panose="020B0604020202020204" pitchFamily="34" charset="0"/>
-                <a:cs typeface="Arial" panose="020B0604020202020204" pitchFamily="34" charset="0"/>
-              </a:rPr>
-              <a:t>axis</a:t>
-            </a:r>
-            <a:r>
-              <a:rPr lang="it-IT" dirty="0">
-                <a:latin typeface="Arial" panose="020B0604020202020204" pitchFamily="34" charset="0"/>
-                <a:cs typeface="Arial" panose="020B0604020202020204" pitchFamily="34" charset="0"/>
-              </a:rPr>
-              <a:t>: z&gt;0 </a:t>
-            </a:r>
-            <a:r>
-              <a:rPr lang="it-IT" dirty="0" err="1">
-                <a:latin typeface="Arial" panose="020B0604020202020204" pitchFamily="34" charset="0"/>
-                <a:cs typeface="Arial" panose="020B0604020202020204" pitchFamily="34" charset="0"/>
-              </a:rPr>
-              <a:t>is</a:t>
-            </a:r>
-            <a:r>
-              <a:rPr lang="it-IT" dirty="0">
-                <a:latin typeface="Arial" panose="020B0604020202020204" pitchFamily="34" charset="0"/>
-                <a:cs typeface="Arial" panose="020B0604020202020204" pitchFamily="34" charset="0"/>
-              </a:rPr>
-              <a:t> </a:t>
-            </a:r>
-            <a:r>
-              <a:rPr lang="it-IT" dirty="0" err="1">
-                <a:latin typeface="Arial" panose="020B0604020202020204" pitchFamily="34" charset="0"/>
-                <a:cs typeface="Arial" panose="020B0604020202020204" pitchFamily="34" charset="0"/>
-              </a:rPr>
-              <a:t>necessary</a:t>
-            </a:r>
-            <a:r>
-              <a:rPr lang="it-IT" dirty="0">
-                <a:latin typeface="Arial" panose="020B0604020202020204" pitchFamily="34" charset="0"/>
-                <a:cs typeface="Arial" panose="020B0604020202020204" pitchFamily="34" charset="0"/>
-              </a:rPr>
-              <a:t> for the synth to be </a:t>
-            </a:r>
-            <a:r>
-              <a:rPr lang="it-IT" dirty="0" err="1">
-                <a:latin typeface="Arial" panose="020B0604020202020204" pitchFamily="34" charset="0"/>
-                <a:cs typeface="Arial" panose="020B0604020202020204" pitchFamily="34" charset="0"/>
-              </a:rPr>
-              <a:t>triggered</a:t>
-            </a:r>
-            <a:r>
-              <a:rPr lang="it-IT" dirty="0">
-                <a:latin typeface="Arial" panose="020B0604020202020204" pitchFamily="34" charset="0"/>
-                <a:cs typeface="Arial" panose="020B0604020202020204" pitchFamily="34" charset="0"/>
-              </a:rPr>
-              <a:t>, </a:t>
-            </a:r>
-            <a:r>
-              <a:rPr lang="it-IT" dirty="0" err="1">
-                <a:latin typeface="Arial" panose="020B0604020202020204" pitchFamily="34" charset="0"/>
-                <a:cs typeface="Arial" panose="020B0604020202020204" pitchFamily="34" charset="0"/>
-              </a:rPr>
-              <a:t>tilting</a:t>
-            </a:r>
-            <a:r>
-              <a:rPr lang="it-IT" dirty="0">
-                <a:latin typeface="Arial" panose="020B0604020202020204" pitchFamily="34" charset="0"/>
-                <a:cs typeface="Arial" panose="020B0604020202020204" pitchFamily="34" charset="0"/>
-              </a:rPr>
-              <a:t> </a:t>
-            </a:r>
-            <a:r>
-              <a:rPr lang="it-IT" dirty="0" err="1">
-                <a:latin typeface="Arial" panose="020B0604020202020204" pitchFamily="34" charset="0"/>
-                <a:cs typeface="Arial" panose="020B0604020202020204" pitchFamily="34" charset="0"/>
-              </a:rPr>
-              <a:t>is</a:t>
-            </a:r>
-            <a:r>
-              <a:rPr lang="it-IT" dirty="0">
-                <a:latin typeface="Arial" panose="020B0604020202020204" pitchFamily="34" charset="0"/>
-                <a:cs typeface="Arial" panose="020B0604020202020204" pitchFamily="34" charset="0"/>
-              </a:rPr>
-              <a:t> </a:t>
-            </a:r>
-            <a:r>
-              <a:rPr lang="it-IT" dirty="0" err="1">
-                <a:latin typeface="Arial" panose="020B0604020202020204" pitchFamily="34" charset="0"/>
-                <a:cs typeface="Arial" panose="020B0604020202020204" pitchFamily="34" charset="0"/>
-              </a:rPr>
-              <a:t>associated</a:t>
-            </a:r>
-            <a:r>
-              <a:rPr lang="it-IT" dirty="0">
-                <a:latin typeface="Arial" panose="020B0604020202020204" pitchFamily="34" charset="0"/>
-                <a:cs typeface="Arial" panose="020B0604020202020204" pitchFamily="34" charset="0"/>
-              </a:rPr>
-              <a:t> to notes, pitching </a:t>
-            </a:r>
-            <a:r>
-              <a:rPr lang="it-IT" dirty="0" err="1">
-                <a:latin typeface="Arial" panose="020B0604020202020204" pitchFamily="34" charset="0"/>
-                <a:cs typeface="Arial" panose="020B0604020202020204" pitchFamily="34" charset="0"/>
-              </a:rPr>
-              <a:t>is</a:t>
-            </a:r>
-            <a:r>
-              <a:rPr lang="it-IT" dirty="0">
-                <a:latin typeface="Arial" panose="020B0604020202020204" pitchFamily="34" charset="0"/>
-                <a:cs typeface="Arial" panose="020B0604020202020204" pitchFamily="34" charset="0"/>
-              </a:rPr>
-              <a:t> </a:t>
-            </a:r>
-            <a:r>
-              <a:rPr lang="it-IT" dirty="0" err="1">
-                <a:latin typeface="Arial" panose="020B0604020202020204" pitchFamily="34" charset="0"/>
-                <a:cs typeface="Arial" panose="020B0604020202020204" pitchFamily="34" charset="0"/>
-              </a:rPr>
-              <a:t>associated</a:t>
-            </a:r>
-            <a:r>
-              <a:rPr lang="it-IT" dirty="0">
-                <a:latin typeface="Arial" panose="020B0604020202020204" pitchFamily="34" charset="0"/>
-                <a:cs typeface="Arial" panose="020B0604020202020204" pitchFamily="34" charset="0"/>
-              </a:rPr>
-              <a:t> to scale </a:t>
-            </a:r>
-            <a:r>
-              <a:rPr lang="it-IT" dirty="0" err="1">
-                <a:latin typeface="Arial" panose="020B0604020202020204" pitchFamily="34" charset="0"/>
-                <a:cs typeface="Arial" panose="020B0604020202020204" pitchFamily="34" charset="0"/>
-              </a:rPr>
-              <a:t>changes</a:t>
-            </a:r>
-            <a:r>
-              <a:rPr lang="it-IT" dirty="0">
-                <a:latin typeface="Arial" panose="020B0604020202020204" pitchFamily="34" charset="0"/>
-                <a:cs typeface="Arial" panose="020B0604020202020204" pitchFamily="34" charset="0"/>
-              </a:rPr>
-              <a:t>;</a:t>
-            </a:r>
-          </a:p>
-          <a:p>
-            <a:pPr marL="514350" indent="-514350">
-              <a:buFont typeface="+mj-lt"/>
-              <a:buAutoNum type="romanUcPeriod"/>
-            </a:pPr>
-            <a:r>
-              <a:rPr lang="it-IT" dirty="0" err="1">
-                <a:latin typeface="Arial" panose="020B0604020202020204" pitchFamily="34" charset="0"/>
-                <a:cs typeface="Arial" panose="020B0604020202020204" pitchFamily="34" charset="0"/>
-              </a:rPr>
-              <a:t>Mapped</a:t>
-            </a:r>
-            <a:r>
-              <a:rPr lang="it-IT" dirty="0">
-                <a:latin typeface="Arial" panose="020B0604020202020204" pitchFamily="34" charset="0"/>
-                <a:cs typeface="Arial" panose="020B0604020202020204" pitchFamily="34" charset="0"/>
-              </a:rPr>
-              <a:t> </a:t>
-            </a:r>
-            <a:r>
-              <a:rPr lang="it-IT" dirty="0" err="1">
-                <a:latin typeface="Arial" panose="020B0604020202020204" pitchFamily="34" charset="0"/>
-                <a:cs typeface="Arial" panose="020B0604020202020204" pitchFamily="34" charset="0"/>
-              </a:rPr>
-              <a:t>accelerometer</a:t>
-            </a:r>
-            <a:r>
-              <a:rPr lang="it-IT" dirty="0">
-                <a:latin typeface="Arial" panose="020B0604020202020204" pitchFamily="34" charset="0"/>
-                <a:cs typeface="Arial" panose="020B0604020202020204" pitchFamily="34" charset="0"/>
-              </a:rPr>
-              <a:t> </a:t>
-            </a:r>
-            <a:r>
-              <a:rPr lang="it-IT" dirty="0" err="1">
-                <a:latin typeface="Arial" panose="020B0604020202020204" pitchFamily="34" charset="0"/>
-                <a:cs typeface="Arial" panose="020B0604020202020204" pitchFamily="34" charset="0"/>
-              </a:rPr>
-              <a:t>values</a:t>
-            </a:r>
-            <a:r>
-              <a:rPr lang="it-IT" dirty="0">
-                <a:latin typeface="Arial" panose="020B0604020202020204" pitchFamily="34" charset="0"/>
-                <a:cs typeface="Arial" panose="020B0604020202020204" pitchFamily="34" charset="0"/>
-              </a:rPr>
-              <a:t> trigger WAPI </a:t>
-            </a:r>
-            <a:r>
-              <a:rPr lang="it-IT" dirty="0" err="1">
-                <a:latin typeface="Arial" panose="020B0604020202020204" pitchFamily="34" charset="0"/>
-                <a:cs typeface="Arial" panose="020B0604020202020204" pitchFamily="34" charset="0"/>
-              </a:rPr>
-              <a:t>synthetiser</a:t>
-            </a:r>
-            <a:r>
-              <a:rPr lang="it-IT" dirty="0">
-                <a:latin typeface="Arial" panose="020B0604020202020204" pitchFamily="34" charset="0"/>
-                <a:cs typeface="Arial" panose="020B0604020202020204" pitchFamily="34" charset="0"/>
-              </a:rPr>
-              <a:t>;</a:t>
-            </a:r>
-          </a:p>
-          <a:p>
-            <a:pPr marL="514350" indent="-514350">
-              <a:buFont typeface="+mj-lt"/>
-              <a:buAutoNum type="romanUcPeriod"/>
-            </a:pPr>
-            <a:r>
-              <a:rPr lang="it-IT" dirty="0">
-                <a:latin typeface="Arial" panose="020B0604020202020204" pitchFamily="34" charset="0"/>
-                <a:cs typeface="Arial" panose="020B0604020202020204" pitchFamily="34" charset="0"/>
-              </a:rPr>
-              <a:t>Interface </a:t>
-            </a:r>
-            <a:r>
-              <a:rPr lang="it-IT" dirty="0" err="1">
-                <a:latin typeface="Arial" panose="020B0604020202020204" pitchFamily="34" charset="0"/>
-                <a:cs typeface="Arial" panose="020B0604020202020204" pitchFamily="34" charset="0"/>
-              </a:rPr>
-              <a:t>reacts</a:t>
-            </a:r>
-            <a:r>
-              <a:rPr lang="it-IT" dirty="0">
-                <a:latin typeface="Arial" panose="020B0604020202020204" pitchFamily="34" charset="0"/>
-                <a:cs typeface="Arial" panose="020B0604020202020204" pitchFamily="34" charset="0"/>
-              </a:rPr>
-              <a:t> on synth and </a:t>
-            </a:r>
-            <a:r>
-              <a:rPr lang="it-IT" dirty="0" err="1">
-                <a:latin typeface="Arial" panose="020B0604020202020204" pitchFamily="34" charset="0"/>
-                <a:cs typeface="Arial" panose="020B0604020202020204" pitchFamily="34" charset="0"/>
-              </a:rPr>
-              <a:t>scales</a:t>
-            </a:r>
-            <a:r>
-              <a:rPr lang="it-IT" dirty="0">
-                <a:latin typeface="Arial" panose="020B0604020202020204" pitchFamily="34" charset="0"/>
-                <a:cs typeface="Arial" panose="020B0604020202020204" pitchFamily="34" charset="0"/>
-              </a:rPr>
-              <a:t> </a:t>
-            </a:r>
-            <a:r>
-              <a:rPr lang="it-IT" dirty="0" err="1">
-                <a:latin typeface="Arial" panose="020B0604020202020204" pitchFamily="34" charset="0"/>
-                <a:cs typeface="Arial" panose="020B0604020202020204" pitchFamily="34" charset="0"/>
-              </a:rPr>
-              <a:t>behaviour</a:t>
-            </a:r>
-            <a:r>
-              <a:rPr lang="it-IT" dirty="0">
+              <a:rPr lang="en-US" dirty="0">
+                <a:solidFill>
+                  <a:srgbClr val="00B0F0"/>
+                </a:solidFill>
+                <a:latin typeface="Arial" panose="020B0604020202020204" pitchFamily="34" charset="0"/>
+                <a:cs typeface="Arial" panose="020B0604020202020204" pitchFamily="34" charset="0"/>
+              </a:rPr>
+              <a:t>html</a:t>
+            </a:r>
+            <a:r>
+              <a:rPr lang="en-US" dirty="0">
                 <a:latin typeface="Arial" panose="020B0604020202020204" pitchFamily="34" charset="0"/>
                 <a:cs typeface="Arial" panose="020B0604020202020204" pitchFamily="34" charset="0"/>
               </a:rPr>
               <a:t>.</a:t>
             </a:r>
+          </a:p>
+          <a:p>
+            <a:r>
+              <a:rPr lang="en-US" dirty="0">
+                <a:solidFill>
+                  <a:srgbClr val="00B0F0"/>
+                </a:solidFill>
+                <a:latin typeface="Arial" panose="020B0604020202020204" pitchFamily="34" charset="0"/>
+                <a:cs typeface="Arial" panose="020B0604020202020204" pitchFamily="34" charset="0"/>
+              </a:rPr>
+              <a:t>Google Chrome</a:t>
+            </a:r>
+            <a:r>
+              <a:rPr lang="en-US" dirty="0">
+                <a:latin typeface="Arial" panose="020B0604020202020204" pitchFamily="34" charset="0"/>
+                <a:cs typeface="Arial" panose="020B0604020202020204" pitchFamily="34" charset="0"/>
+              </a:rPr>
+              <a:t> is needed to launch the program. Google’s browser is the only one supporting experimental browser features, needed for BLE connection.</a:t>
+            </a:r>
+          </a:p>
+          <a:p>
+            <a:r>
+              <a:rPr lang="en-US" dirty="0">
+                <a:latin typeface="Arial" panose="020B0604020202020204" pitchFamily="34" charset="0"/>
+                <a:cs typeface="Arial" panose="020B0604020202020204" pitchFamily="34" charset="0"/>
+              </a:rPr>
+              <a:t>Firmware in </a:t>
+            </a:r>
+            <a:r>
+              <a:rPr lang="en-US" dirty="0" err="1">
+                <a:latin typeface="Arial" panose="020B0604020202020204" pitchFamily="34" charset="0"/>
+                <a:cs typeface="Arial" panose="020B0604020202020204" pitchFamily="34" charset="0"/>
+              </a:rPr>
+              <a:t>Microbit</a:t>
+            </a:r>
+            <a:r>
+              <a:rPr lang="en-US" dirty="0">
+                <a:latin typeface="Arial" panose="020B0604020202020204" pitchFamily="34" charset="0"/>
+                <a:cs typeface="Arial" panose="020B0604020202020204" pitchFamily="34" charset="0"/>
+              </a:rPr>
+              <a:t> is the </a:t>
+            </a:r>
+            <a:r>
+              <a:rPr lang="en-US" dirty="0">
+                <a:solidFill>
+                  <a:srgbClr val="00B0F0"/>
+                </a:solidFill>
+                <a:latin typeface="Arial" panose="020B0604020202020204" pitchFamily="34" charset="0"/>
+                <a:cs typeface="Arial" panose="020B0604020202020204" pitchFamily="34" charset="0"/>
+              </a:rPr>
+              <a:t>Lancaster University</a:t>
+            </a:r>
+            <a:r>
+              <a:rPr lang="en-US" dirty="0">
+                <a:latin typeface="Arial" panose="020B0604020202020204" pitchFamily="34" charset="0"/>
+                <a:cs typeface="Arial" panose="020B0604020202020204" pitchFamily="34" charset="0"/>
+              </a:rPr>
+              <a:t> one, developers of the microprocessor.</a:t>
+            </a:r>
+            <a:endParaRPr lang="it-IT" dirty="0">
+              <a:latin typeface="Arial" panose="020B0604020202020204" pitchFamily="34" charset="0"/>
+              <a:cs typeface="Arial" panose="020B0604020202020204" pitchFamily="34" charset="0"/>
+            </a:endParaRPr>
+          </a:p>
+          <a:p>
+            <a:endParaRPr lang="it-IT" dirty="0">
+              <a:latin typeface="Arial" panose="020B0604020202020204" pitchFamily="34" charset="0"/>
+              <a:cs typeface="Arial" panose="020B0604020202020204" pitchFamily="34" charset="0"/>
+            </a:endParaRPr>
           </a:p>
         </p:txBody>
       </p:sp>
@@ -17345,7 +17366,7 @@
           <p:cNvPr id="4" name="Titolo 1">
             <a:extLst>
               <a:ext uri="{FF2B5EF4-FFF2-40B4-BE49-F238E27FC236}">
-                <a16:creationId xmlns:a16="http://schemas.microsoft.com/office/drawing/2014/main" id="{2096BBDE-8F17-45CB-8384-2D3C77DF7A77}"/>
+                <a16:creationId xmlns:a16="http://schemas.microsoft.com/office/drawing/2014/main" id="{DB7259A5-C4BB-498F-9991-B69557B81A1D}"/>
               </a:ext>
             </a:extLst>
           </p:cNvPr>
@@ -17388,11 +17409,11 @@
           </a:lstStyle>
           <a:p>
             <a:r>
-              <a:rPr lang="it-IT" sz="5400" dirty="0">
-                <a:latin typeface="Arial" panose="020B0604020202020204" pitchFamily="34" charset="0"/>
-                <a:cs typeface="Arial" panose="020B0604020202020204" pitchFamily="34" charset="0"/>
-              </a:rPr>
-              <a:t>CODE DIVISION</a:t>
+              <a:rPr lang="it-IT" sz="4800" dirty="0">
+                <a:latin typeface="Arial" panose="020B0604020202020204" pitchFamily="34" charset="0"/>
+                <a:cs typeface="Arial" panose="020B0604020202020204" pitchFamily="34" charset="0"/>
+              </a:rPr>
+              <a:t>ENVIRONMENT</a:t>
             </a:r>
           </a:p>
         </p:txBody>
@@ -17402,7 +17423,7 @@
           <p:cNvPr id="5" name="Connettore diritto 4">
             <a:extLst>
               <a:ext uri="{FF2B5EF4-FFF2-40B4-BE49-F238E27FC236}">
-                <a16:creationId xmlns:a16="http://schemas.microsoft.com/office/drawing/2014/main" id="{D34F939F-4719-4A17-9950-6EF85339F417}"/>
+                <a16:creationId xmlns:a16="http://schemas.microsoft.com/office/drawing/2014/main" id="{B2802FDF-56A9-42B7-8169-288F7E0B1BEE}"/>
               </a:ext>
             </a:extLst>
           </p:cNvPr>
@@ -17443,20 +17464,20 @@
     </p:spTree>
     <p:extLst>
       <p:ext uri="{BB962C8B-B14F-4D97-AF65-F5344CB8AC3E}">
-        <p14:creationId xmlns:p14="http://schemas.microsoft.com/office/powerpoint/2010/main" val="4144326192"/>
+        <p14:creationId xmlns:p14="http://schemas.microsoft.com/office/powerpoint/2010/main" val="1883481224"/>
       </p:ext>
     </p:extLst>
   </p:cSld>
   <p:clrMapOvr>
     <a:masterClrMapping/>
   </p:clrMapOvr>
-  <mc:AlternateContent xmlns:mc="http://schemas.openxmlformats.org/markup-compatibility/2006">
-    <mc:Choice xmlns:p159="http://schemas.microsoft.com/office/powerpoint/2015/09/main" Requires="p159">
+  <mc:AlternateContent xmlns:mc="http://schemas.openxmlformats.org/markup-compatibility/2006" xmlns:p159="http://schemas.microsoft.com/office/powerpoint/2015/09/main">
+    <mc:Choice Requires="p159">
       <p:transition xmlns:p14="http://schemas.microsoft.com/office/powerpoint/2010/main" spd="slow" p14:dur="2000">
         <p159:morph option="byObject"/>
       </p:transition>
     </mc:Choice>
-    <mc:Fallback>
+    <mc:Fallback xmlns="">
       <p:transition spd="slow">
         <p:fade/>
       </p:transition>
